--- a/PPTs/Lecture 12-minimum spanning trees.pptx
+++ b/PPTs/Lecture 12-minimum spanning trees.pptx
@@ -214,7 +214,7 @@
           <a:p>
             <a:fld id="{1B0CF57B-C747-FC49-8C8F-81AE37C96CA4}" type="datetimeFigureOut">
               <a:rPr lang="en-US" smtClean="0"/>
-              <a:t>9/15/2024</a:t>
+              <a:t>9/18/2024</a:t>
             </a:fld>
             <a:endParaRPr lang="en-US"/>
           </a:p>
@@ -668,7 +668,7 @@
           <a:p>
             <a:fld id="{FB221443-D73C-634A-A910-7320408C156D}" type="datetimeFigureOut">
               <a:rPr lang="en-US" smtClean="0"/>
-              <a:t>9/15/2024</a:t>
+              <a:t>9/18/2024</a:t>
             </a:fld>
             <a:endParaRPr lang="en-US"/>
           </a:p>
@@ -838,7 +838,7 @@
           <a:p>
             <a:fld id="{FB221443-D73C-634A-A910-7320408C156D}" type="datetimeFigureOut">
               <a:rPr lang="en-US" smtClean="0"/>
-              <a:t>9/15/2024</a:t>
+              <a:t>9/18/2024</a:t>
             </a:fld>
             <a:endParaRPr lang="en-US"/>
           </a:p>
@@ -1018,7 +1018,7 @@
           <a:p>
             <a:fld id="{FB221443-D73C-634A-A910-7320408C156D}" type="datetimeFigureOut">
               <a:rPr lang="en-US" smtClean="0"/>
-              <a:t>9/15/2024</a:t>
+              <a:t>9/18/2024</a:t>
             </a:fld>
             <a:endParaRPr lang="en-US"/>
           </a:p>
@@ -1188,7 +1188,7 @@
           <a:p>
             <a:fld id="{FB221443-D73C-634A-A910-7320408C156D}" type="datetimeFigureOut">
               <a:rPr lang="en-US" smtClean="0"/>
-              <a:t>9/15/2024</a:t>
+              <a:t>9/18/2024</a:t>
             </a:fld>
             <a:endParaRPr lang="en-US"/>
           </a:p>
@@ -1434,7 +1434,7 @@
           <a:p>
             <a:fld id="{FB221443-D73C-634A-A910-7320408C156D}" type="datetimeFigureOut">
               <a:rPr lang="en-US" smtClean="0"/>
-              <a:t>9/15/2024</a:t>
+              <a:t>9/18/2024</a:t>
             </a:fld>
             <a:endParaRPr lang="en-US"/>
           </a:p>
@@ -1722,7 +1722,7 @@
           <a:p>
             <a:fld id="{FB221443-D73C-634A-A910-7320408C156D}" type="datetimeFigureOut">
               <a:rPr lang="en-US" smtClean="0"/>
-              <a:t>9/15/2024</a:t>
+              <a:t>9/18/2024</a:t>
             </a:fld>
             <a:endParaRPr lang="en-US"/>
           </a:p>
@@ -2144,7 +2144,7 @@
           <a:p>
             <a:fld id="{FB221443-D73C-634A-A910-7320408C156D}" type="datetimeFigureOut">
               <a:rPr lang="en-US" smtClean="0"/>
-              <a:t>9/15/2024</a:t>
+              <a:t>9/18/2024</a:t>
             </a:fld>
             <a:endParaRPr lang="en-US"/>
           </a:p>
@@ -2262,7 +2262,7 @@
           <a:p>
             <a:fld id="{FB221443-D73C-634A-A910-7320408C156D}" type="datetimeFigureOut">
               <a:rPr lang="en-US" smtClean="0"/>
-              <a:t>9/15/2024</a:t>
+              <a:t>9/18/2024</a:t>
             </a:fld>
             <a:endParaRPr lang="en-US"/>
           </a:p>
@@ -2357,7 +2357,7 @@
           <a:p>
             <a:fld id="{FB221443-D73C-634A-A910-7320408C156D}" type="datetimeFigureOut">
               <a:rPr lang="en-US" smtClean="0"/>
-              <a:t>9/15/2024</a:t>
+              <a:t>9/18/2024</a:t>
             </a:fld>
             <a:endParaRPr lang="en-US"/>
           </a:p>
@@ -2634,7 +2634,7 @@
           <a:p>
             <a:fld id="{FB221443-D73C-634A-A910-7320408C156D}" type="datetimeFigureOut">
               <a:rPr lang="en-US" smtClean="0"/>
-              <a:t>9/15/2024</a:t>
+              <a:t>9/18/2024</a:t>
             </a:fld>
             <a:endParaRPr lang="en-US"/>
           </a:p>
@@ -2887,7 +2887,7 @@
           <a:p>
             <a:fld id="{FB221443-D73C-634A-A910-7320408C156D}" type="datetimeFigureOut">
               <a:rPr lang="en-US" smtClean="0"/>
-              <a:t>9/15/2024</a:t>
+              <a:t>9/18/2024</a:t>
             </a:fld>
             <a:endParaRPr lang="en-US"/>
           </a:p>
@@ -3100,7 +3100,7 @@
           <a:p>
             <a:fld id="{FB221443-D73C-634A-A910-7320408C156D}" type="datetimeFigureOut">
               <a:rPr lang="en-US" smtClean="0"/>
-              <a:t>9/15/2024</a:t>
+              <a:t>9/18/2024</a:t>
             </a:fld>
             <a:endParaRPr lang="en-US"/>
           </a:p>
@@ -3863,8 +3863,19 @@
               <a:t>Prim's algorithm</a:t>
             </a:r>
             <a:r>
+              <a:rPr lang="en-US" dirty="0"/>
+              <a:t>. </a:t>
+            </a:r>
+          </a:p>
+          <a:p>
+            <a:pPr lvl="1"/>
+            <a:r>
+              <a:rPr lang="en-US" dirty="0"/>
+              <a:t>Both are greedy algorithms that are </a:t>
+            </a:r>
+            <a:r>
               <a:rPr lang="en-US"/>
-              <a:t>. </a:t>
+              <a:t>also optimal.</a:t>
             </a:r>
             <a:endParaRPr lang="en-US" dirty="0"/>
           </a:p>
@@ -3996,6 +4007,67 @@
                                           <p:spTgt spid="4">
                                             <p:txEl>
                                               <p:pRg st="1" end="1"/>
+                                            </p:txEl>
+                                          </p:spTgt>
+                                        </p:tgtEl>
+                                      </p:cBhvr>
+                                    </p:animEffect>
+                                  </p:childTnLst>
+                                </p:cTn>
+                              </p:par>
+                            </p:childTnLst>
+                          </p:cTn>
+                        </p:par>
+                      </p:childTnLst>
+                    </p:cTn>
+                  </p:par>
+                  <p:par>
+                    <p:cTn id="13" fill="hold">
+                      <p:stCondLst>
+                        <p:cond delay="indefinite"/>
+                      </p:stCondLst>
+                      <p:childTnLst>
+                        <p:par>
+                          <p:cTn id="14" fill="hold">
+                            <p:stCondLst>
+                              <p:cond delay="0"/>
+                            </p:stCondLst>
+                            <p:childTnLst>
+                              <p:par>
+                                <p:cTn id="15" presetID="9" presetClass="entr" presetSubtype="0" fill="hold" nodeType="clickEffect">
+                                  <p:stCondLst>
+                                    <p:cond delay="0"/>
+                                  </p:stCondLst>
+                                  <p:childTnLst>
+                                    <p:set>
+                                      <p:cBhvr>
+                                        <p:cTn id="16" dur="1" fill="hold">
+                                          <p:stCondLst>
+                                            <p:cond delay="0"/>
+                                          </p:stCondLst>
+                                        </p:cTn>
+                                        <p:tgtEl>
+                                          <p:spTgt spid="4">
+                                            <p:txEl>
+                                              <p:pRg st="2" end="2"/>
+                                            </p:txEl>
+                                          </p:spTgt>
+                                        </p:tgtEl>
+                                        <p:attrNameLst>
+                                          <p:attrName>style.visibility</p:attrName>
+                                        </p:attrNameLst>
+                                      </p:cBhvr>
+                                      <p:to>
+                                        <p:strVal val="visible"/>
+                                      </p:to>
+                                    </p:set>
+                                    <p:animEffect transition="in" filter="dissolve">
+                                      <p:cBhvr>
+                                        <p:cTn id="17" dur="500"/>
+                                        <p:tgtEl>
+                                          <p:spTgt spid="4">
+                                            <p:txEl>
+                                              <p:pRg st="2" end="2"/>
                                             </p:txEl>
                                           </p:spTgt>
                                         </p:tgtEl>
@@ -17365,7 +17437,7 @@
         </p:nvSpPr>
         <p:spPr>
           <a:xfrm>
-            <a:off x="1984578" y="6324245"/>
+            <a:off x="2580967" y="6320408"/>
             <a:ext cx="3982065" cy="523220"/>
           </a:xfrm>
           <a:prstGeom prst="rect">
@@ -22739,7 +22811,7 @@
         </p:nvSpPr>
         <p:spPr>
           <a:xfrm>
-            <a:off x="1984578" y="6324245"/>
+            <a:off x="2917242" y="6287147"/>
             <a:ext cx="3982065" cy="523220"/>
           </a:xfrm>
           <a:prstGeom prst="rect">
@@ -25570,7 +25642,7 @@
           <a:bodyPr wrap="square" lIns="0" tIns="0" rIns="0" bIns="0" rtlCol="0"/>
           <a:lstStyle/>
           <a:p>
-            <a:endParaRPr sz="1266"/>
+            <a:endParaRPr sz="1266" dirty="0"/>
           </a:p>
         </p:txBody>
       </p:sp>
@@ -26829,7 +26901,7 @@
           <a:bodyPr wrap="square" lIns="0" tIns="0" rIns="0" bIns="0" rtlCol="0"/>
           <a:lstStyle/>
           <a:p>
-            <a:endParaRPr sz="1266"/>
+            <a:endParaRPr sz="1266" dirty="0"/>
           </a:p>
         </p:txBody>
       </p:sp>

--- a/PPTs/Lecture 12-minimum spanning trees.pptx
+++ b/PPTs/Lecture 12-minimum spanning trees.pptx
@@ -5,7 +5,7 @@
     <p:sldMasterId id="2147483648" r:id="rId1"/>
   </p:sldMasterIdLst>
   <p:notesMasterIdLst>
-    <p:notesMasterId r:id="rId9"/>
+    <p:notesMasterId r:id="rId10"/>
   </p:notesMasterIdLst>
   <p:sldIdLst>
     <p:sldId id="256" r:id="rId2"/>
@@ -14,7 +14,8 @@
     <p:sldId id="301" r:id="rId5"/>
     <p:sldId id="312" r:id="rId6"/>
     <p:sldId id="321" r:id="rId7"/>
-    <p:sldId id="333" r:id="rId8"/>
+    <p:sldId id="344" r:id="rId8"/>
+    <p:sldId id="333" r:id="rId9"/>
   </p:sldIdLst>
   <p:sldSz cx="9144000" cy="6858000" type="screen4x3"/>
   <p:notesSz cx="6858000" cy="9144000"/>
@@ -479,6 +480,186 @@
     </a:lvl9pPr>
   </p:notesStyle>
 </p:notesMaster>
+</file>
+
+<file path=ppt/notesSlides/notesSlide1.xml><?xml version="1.0" encoding="utf-8"?>
+<p:notes xmlns:a="http://schemas.openxmlformats.org/drawingml/2006/main" xmlns:r="http://schemas.openxmlformats.org/officeDocument/2006/relationships" xmlns:p="http://schemas.openxmlformats.org/presentationml/2006/main">
+  <p:cSld>
+    <p:spTree>
+      <p:nvGrpSpPr>
+        <p:cNvPr id="1" name=""/>
+        <p:cNvGrpSpPr/>
+        <p:nvPr/>
+      </p:nvGrpSpPr>
+      <p:grpSpPr>
+        <a:xfrm>
+          <a:off x="0" y="0"/>
+          <a:ext cx="0" cy="0"/>
+          <a:chOff x="0" y="0"/>
+          <a:chExt cx="0" cy="0"/>
+        </a:xfrm>
+      </p:grpSpPr>
+      <p:sp>
+        <p:nvSpPr>
+          <p:cNvPr id="2" name="Slide Image Placeholder 1"/>
+          <p:cNvSpPr>
+            <a:spLocks noGrp="1" noRot="1" noChangeAspect="1"/>
+          </p:cNvSpPr>
+          <p:nvPr>
+            <p:ph type="sldImg"/>
+          </p:nvPr>
+        </p:nvSpPr>
+        <p:spPr/>
+      </p:sp>
+      <p:sp>
+        <p:nvSpPr>
+          <p:cNvPr id="3" name="Notes Placeholder 2"/>
+          <p:cNvSpPr>
+            <a:spLocks noGrp="1"/>
+          </p:cNvSpPr>
+          <p:nvPr>
+            <p:ph type="body" idx="1"/>
+          </p:nvPr>
+        </p:nvSpPr>
+        <p:spPr/>
+        <p:txBody>
+          <a:bodyPr/>
+          <a:lstStyle/>
+          <a:p>
+            <a:pPr>
+              <a:spcBef>
+                <a:spcPts val="300"/>
+              </a:spcBef>
+              <a:spcAft>
+                <a:spcPts val="300"/>
+              </a:spcAft>
+            </a:pPr>
+            <a:r>
+              <a:rPr lang="en-US" sz="2000" dirty="0"/>
+              <a:t>Dijkstra’s algorithm seem familiar?</a:t>
+            </a:r>
+          </a:p>
+          <a:p>
+            <a:pPr lvl="1">
+              <a:spcBef>
+                <a:spcPts val="300"/>
+              </a:spcBef>
+              <a:spcAft>
+                <a:spcPts val="300"/>
+              </a:spcAft>
+              <a:buClr>
+                <a:schemeClr val="accent1"/>
+              </a:buClr>
+            </a:pPr>
+            <a:r>
+              <a:rPr lang="en-US" sz="1800" dirty="0"/>
+              <a:t>Prim’s algorithm is essentially the same algorithm.</a:t>
+            </a:r>
+          </a:p>
+          <a:p>
+            <a:pPr lvl="1">
+              <a:spcBef>
+                <a:spcPts val="300"/>
+              </a:spcBef>
+              <a:spcAft>
+                <a:spcPts val="300"/>
+              </a:spcAft>
+              <a:buClr>
+                <a:schemeClr val="accent1"/>
+              </a:buClr>
+            </a:pPr>
+            <a:r>
+              <a:rPr lang="en-US" sz="1800" dirty="0"/>
+              <a:t>Both are in a family of algorithms that compute a graph’s spanning tree.</a:t>
+            </a:r>
+          </a:p>
+          <a:p>
+            <a:pPr>
+              <a:spcBef>
+                <a:spcPts val="300"/>
+              </a:spcBef>
+              <a:spcAft>
+                <a:spcPts val="300"/>
+              </a:spcAft>
+            </a:pPr>
+            <a:r>
+              <a:rPr lang="en-US" sz="2000" dirty="0"/>
+              <a:t>Main distinction: Rule used to choose next vertex for the tree.</a:t>
+            </a:r>
+          </a:p>
+          <a:p>
+            <a:pPr lvl="1">
+              <a:spcBef>
+                <a:spcPts val="300"/>
+              </a:spcBef>
+              <a:spcAft>
+                <a:spcPts val="300"/>
+              </a:spcAft>
+              <a:buClr>
+                <a:schemeClr val="accent1"/>
+              </a:buClr>
+            </a:pPr>
+            <a:r>
+              <a:rPr lang="en-US" sz="1800" dirty="0"/>
+              <a:t>Prim’s: Closest vertex to the tree (via an undirected edge).</a:t>
+            </a:r>
+          </a:p>
+          <a:p>
+            <a:pPr lvl="1">
+              <a:spcBef>
+                <a:spcPts val="300"/>
+              </a:spcBef>
+              <a:spcAft>
+                <a:spcPts val="300"/>
+              </a:spcAft>
+              <a:buClr>
+                <a:schemeClr val="accent1"/>
+              </a:buClr>
+            </a:pPr>
+            <a:r>
+              <a:rPr lang="en-US" sz="1800" dirty="0"/>
+              <a:t>Dijkstra’s: Closest vertex to the source (via a directed path).</a:t>
+            </a:r>
+          </a:p>
+          <a:p>
+            <a:endParaRPr lang="en-SE" dirty="0"/>
+          </a:p>
+        </p:txBody>
+      </p:sp>
+      <p:sp>
+        <p:nvSpPr>
+          <p:cNvPr id="4" name="Slide Number Placeholder 3"/>
+          <p:cNvSpPr>
+            <a:spLocks noGrp="1"/>
+          </p:cNvSpPr>
+          <p:nvPr>
+            <p:ph type="sldNum" sz="quarter" idx="5"/>
+          </p:nvPr>
+        </p:nvSpPr>
+        <p:spPr/>
+        <p:txBody>
+          <a:bodyPr/>
+          <a:lstStyle/>
+          <a:p>
+            <a:fld id="{13F62E29-99FC-EB40-923F-D38E4FE7BE7E}" type="slidenum">
+              <a:rPr lang="en-US" smtClean="0"/>
+              <a:t>7</a:t>
+            </a:fld>
+            <a:endParaRPr lang="en-US"/>
+          </a:p>
+        </p:txBody>
+      </p:sp>
+    </p:spTree>
+    <p:extLst>
+      <p:ext uri="{BB962C8B-B14F-4D97-AF65-F5344CB8AC3E}">
+        <p14:creationId xmlns:p14="http://schemas.microsoft.com/office/powerpoint/2010/main" val="3701582536"/>
+      </p:ext>
+    </p:extLst>
+  </p:cSld>
+  <p:clrMapOvr>
+    <a:masterClrMapping/>
+  </p:clrMapOvr>
+</p:notes>
 </file>
 
 <file path=ppt/slideLayouts/slideLayout1.xml><?xml version="1.0" encoding="utf-8"?>
@@ -3602,49 +3783,7 @@
           <a:lstStyle/>
           <a:p>
             <a:r>
-              <a:rPr lang="en-US" sz="2000" dirty="0">
-                <a:solidFill>
-                  <a:schemeClr val="tx1"/>
-                </a:solidFill>
-              </a:rPr>
-              <a:t>Zonghua Gu (based on </a:t>
-            </a:r>
-            <a:r>
-              <a:rPr lang="en-US" sz="2000" dirty="0" err="1">
-                <a:solidFill>
-                  <a:schemeClr val="tx1"/>
-                </a:solidFill>
-              </a:rPr>
-              <a:t>J</a:t>
-            </a:r>
-            <a:r>
-              <a:rPr lang="en-US" altLang="zh-CN" sz="2000" dirty="0" err="1">
-                <a:solidFill>
-                  <a:schemeClr val="tx1"/>
-                </a:solidFill>
-              </a:rPr>
-              <a:t>ianchen</a:t>
-            </a:r>
-            <a:r>
-              <a:rPr lang="zh-CN" altLang="en-US" sz="2000" dirty="0">
-                <a:solidFill>
-                  <a:schemeClr val="tx1"/>
-                </a:solidFill>
-              </a:rPr>
-              <a:t> </a:t>
-            </a:r>
-            <a:r>
-              <a:rPr lang="en-US" altLang="zh-CN" sz="2000" dirty="0">
-                <a:solidFill>
-                  <a:schemeClr val="tx1"/>
-                </a:solidFill>
-              </a:rPr>
-              <a:t>Shan)</a:t>
-            </a:r>
-          </a:p>
-          <a:p>
-            <a:r>
-              <a:rPr lang="en-US" sz="2000" dirty="0">
+              <a:rPr lang="en-US" sz="2000">
                 <a:solidFill>
                   <a:schemeClr val="tx1"/>
                 </a:solidFill>
@@ -3871,13 +4010,8 @@
             <a:pPr lvl="1"/>
             <a:r>
               <a:rPr lang="en-US" dirty="0"/>
-              <a:t>Both are greedy algorithms that are </a:t>
+              <a:t>Both are greedy algorithms that are also optimal.</a:t>
             </a:r>
-            <a:r>
-              <a:rPr lang="en-US"/>
-              <a:t>also optimal.</a:t>
-            </a:r>
-            <a:endParaRPr lang="en-US" dirty="0"/>
           </a:p>
         </p:txBody>
       </p:sp>
@@ -22811,7 +22945,7 @@
         </p:nvSpPr>
         <p:spPr>
           <a:xfrm>
-            <a:off x="2917242" y="6287147"/>
+            <a:off x="2685786" y="6275946"/>
             <a:ext cx="3982065" cy="523220"/>
           </a:xfrm>
           <a:prstGeom prst="rect">
@@ -24981,6 +25115,168 @@
 </file>
 
 <file path=ppt/slides/slide7.xml><?xml version="1.0" encoding="utf-8"?>
+<p:sld xmlns:a="http://schemas.openxmlformats.org/drawingml/2006/main" xmlns:r="http://schemas.openxmlformats.org/officeDocument/2006/relationships" xmlns:p="http://schemas.openxmlformats.org/presentationml/2006/main">
+  <p:cSld>
+    <p:spTree>
+      <p:nvGrpSpPr>
+        <p:cNvPr id="1" name=""/>
+        <p:cNvGrpSpPr/>
+        <p:nvPr/>
+      </p:nvGrpSpPr>
+      <p:grpSpPr>
+        <a:xfrm>
+          <a:off x="0" y="0"/>
+          <a:ext cx="0" cy="0"/>
+          <a:chOff x="0" y="0"/>
+          <a:chExt cx="0" cy="0"/>
+        </a:xfrm>
+      </p:grpSpPr>
+      <p:sp>
+        <p:nvSpPr>
+          <p:cNvPr id="2" name="Title 1">
+            <a:extLst>
+              <a:ext uri="{FF2B5EF4-FFF2-40B4-BE49-F238E27FC236}">
+                <a16:creationId xmlns:a16="http://schemas.microsoft.com/office/drawing/2014/main" id="{509FF820-005C-E35A-3E2A-9398FF9D5994}"/>
+              </a:ext>
+            </a:extLst>
+          </p:cNvPr>
+          <p:cNvSpPr>
+            <a:spLocks noGrp="1"/>
+          </p:cNvSpPr>
+          <p:nvPr>
+            <p:ph type="title"/>
+          </p:nvPr>
+        </p:nvSpPr>
+        <p:spPr/>
+        <p:txBody>
+          <a:bodyPr/>
+          <a:lstStyle/>
+          <a:p>
+            <a:r>
+              <a:rPr lang="en-GB" dirty="0"/>
+              <a:t>Dijkstra’s Algorithm vs. Prim’s algorithm  </a:t>
+            </a:r>
+            <a:endParaRPr lang="en-SE" dirty="0"/>
+          </a:p>
+        </p:txBody>
+      </p:sp>
+      <p:sp>
+        <p:nvSpPr>
+          <p:cNvPr id="3" name="Content Placeholder 2">
+            <a:extLst>
+              <a:ext uri="{FF2B5EF4-FFF2-40B4-BE49-F238E27FC236}">
+                <a16:creationId xmlns:a16="http://schemas.microsoft.com/office/drawing/2014/main" id="{316EA985-36BD-4E00-CF1D-0046F49D1173}"/>
+              </a:ext>
+            </a:extLst>
+          </p:cNvPr>
+          <p:cNvSpPr>
+            <a:spLocks noGrp="1"/>
+          </p:cNvSpPr>
+          <p:nvPr>
+            <p:ph idx="1"/>
+          </p:nvPr>
+        </p:nvSpPr>
+        <p:spPr/>
+        <p:txBody>
+          <a:bodyPr>
+            <a:normAutofit fontScale="92500" lnSpcReduction="10000"/>
+          </a:bodyPr>
+          <a:lstStyle/>
+          <a:p>
+            <a:r>
+              <a:rPr lang="en-GB" dirty="0"/>
+              <a:t>Similarities:</a:t>
+            </a:r>
+          </a:p>
+          <a:p>
+            <a:pPr lvl="1"/>
+            <a:r>
+              <a:rPr lang="en-GB" dirty="0"/>
+              <a:t>Both use a greedy approach.</a:t>
+            </a:r>
+          </a:p>
+          <a:p>
+            <a:pPr lvl="1"/>
+            <a:r>
+              <a:rPr lang="en-GB" dirty="0"/>
+              <a:t>They employ similar data structures, often using a priority queue.</a:t>
+            </a:r>
+          </a:p>
+          <a:p>
+            <a:pPr lvl="1"/>
+            <a:r>
+              <a:rPr lang="en-GB" dirty="0"/>
+              <a:t>The basic structure of both algorithms is very similar, with the main difference being in how they update vertex values</a:t>
+            </a:r>
+          </a:p>
+          <a:p>
+            <a:r>
+              <a:rPr lang="en-GB" dirty="0"/>
+              <a:t>Dijkstra's finds shortest paths, while Prim's constructs a minimum spanning tree (MST).</a:t>
+            </a:r>
+            <a:endParaRPr lang="en-SE" dirty="0"/>
+          </a:p>
+          <a:p>
+            <a:pPr lvl="1"/>
+            <a:r>
+              <a:rPr lang="en-GB" dirty="0"/>
+              <a:t>This is reflected in how they calculate and update vertex values:</a:t>
+            </a:r>
+          </a:p>
+          <a:p>
+            <a:pPr lvl="1"/>
+            <a:r>
+              <a:rPr lang="en-GB" dirty="0"/>
+              <a:t>In Dijkstra's algorithm, choose </a:t>
+            </a:r>
+            <a:r>
+              <a:rPr lang="en-GB" dirty="0">
+                <a:solidFill>
+                  <a:srgbClr val="FF0000"/>
+                </a:solidFill>
+              </a:rPr>
+              <a:t>the closest vertex to the source node (via a directed path)</a:t>
+            </a:r>
+            <a:r>
+              <a:rPr lang="en-GB" dirty="0"/>
+              <a:t>, the distance to a vertex is relaxed to sum of the edge weight plus the distance to the previous vertex if it is smaller.</a:t>
+            </a:r>
+          </a:p>
+          <a:p>
+            <a:pPr lvl="1"/>
+            <a:r>
+              <a:rPr lang="en-GB" dirty="0"/>
+              <a:t>In Prim's algorithm, choose </a:t>
+            </a:r>
+            <a:r>
+              <a:rPr lang="en-GB" dirty="0">
+                <a:solidFill>
+                  <a:srgbClr val="FF0000"/>
+                </a:solidFill>
+              </a:rPr>
+              <a:t>the closest vertex to the tree (via an undirected edge)</a:t>
+            </a:r>
+            <a:r>
+              <a:rPr lang="en-GB" dirty="0"/>
+              <a:t>, i.e.,  the vertex with the minimum weight of the edge connecting it to the MST.</a:t>
+            </a:r>
+          </a:p>
+        </p:txBody>
+      </p:sp>
+    </p:spTree>
+    <p:extLst>
+      <p:ext uri="{BB962C8B-B14F-4D97-AF65-F5344CB8AC3E}">
+        <p14:creationId xmlns:p14="http://schemas.microsoft.com/office/powerpoint/2010/main" val="41440796"/>
+      </p:ext>
+    </p:extLst>
+  </p:cSld>
+  <p:clrMapOvr>
+    <a:masterClrMapping/>
+  </p:clrMapOvr>
+</p:sld>
+</file>
+
+<file path=ppt/slides/slide8.xml><?xml version="1.0" encoding="utf-8"?>
 <p:sld xmlns:a="http://schemas.openxmlformats.org/drawingml/2006/main" xmlns:r="http://schemas.openxmlformats.org/officeDocument/2006/relationships" xmlns:p="http://schemas.openxmlformats.org/presentationml/2006/main">
   <p:cSld>
     <p:spTree>

--- a/PPTs/Lecture 12-minimum spanning trees.pptx
+++ b/PPTs/Lecture 12-minimum spanning trees.pptx
@@ -231,7 +231,7 @@
           <a:p>
             <a:fld id="{1B0CF57B-C747-FC49-8C8F-81AE37C96CA4}" type="datetimeFigureOut">
               <a:rPr lang="en-US" smtClean="0"/>
-              <a:t>11/14/2024</a:t>
+              <a:t>11/20/2024</a:t>
             </a:fld>
             <a:endParaRPr lang="en-US"/>
           </a:p>
@@ -1415,7 +1415,7 @@
           <a:p>
             <a:fld id="{FB221443-D73C-634A-A910-7320408C156D}" type="datetimeFigureOut">
               <a:rPr lang="en-US" smtClean="0"/>
-              <a:t>11/14/2024</a:t>
+              <a:t>11/20/2024</a:t>
             </a:fld>
             <a:endParaRPr lang="en-US"/>
           </a:p>
@@ -1585,7 +1585,7 @@
           <a:p>
             <a:fld id="{FB221443-D73C-634A-A910-7320408C156D}" type="datetimeFigureOut">
               <a:rPr lang="en-US" smtClean="0"/>
-              <a:t>11/14/2024</a:t>
+              <a:t>11/20/2024</a:t>
             </a:fld>
             <a:endParaRPr lang="en-US"/>
           </a:p>
@@ -1765,7 +1765,7 @@
           <a:p>
             <a:fld id="{FB221443-D73C-634A-A910-7320408C156D}" type="datetimeFigureOut">
               <a:rPr lang="en-US" smtClean="0"/>
-              <a:t>11/14/2024</a:t>
+              <a:t>11/20/2024</a:t>
             </a:fld>
             <a:endParaRPr lang="en-US"/>
           </a:p>
@@ -1935,7 +1935,7 @@
           <a:p>
             <a:fld id="{FB221443-D73C-634A-A910-7320408C156D}" type="datetimeFigureOut">
               <a:rPr lang="en-US" smtClean="0"/>
-              <a:t>11/14/2024</a:t>
+              <a:t>11/20/2024</a:t>
             </a:fld>
             <a:endParaRPr lang="en-US"/>
           </a:p>
@@ -2181,7 +2181,7 @@
           <a:p>
             <a:fld id="{FB221443-D73C-634A-A910-7320408C156D}" type="datetimeFigureOut">
               <a:rPr lang="en-US" smtClean="0"/>
-              <a:t>11/14/2024</a:t>
+              <a:t>11/20/2024</a:t>
             </a:fld>
             <a:endParaRPr lang="en-US"/>
           </a:p>
@@ -2469,7 +2469,7 @@
           <a:p>
             <a:fld id="{FB221443-D73C-634A-A910-7320408C156D}" type="datetimeFigureOut">
               <a:rPr lang="en-US" smtClean="0"/>
-              <a:t>11/14/2024</a:t>
+              <a:t>11/20/2024</a:t>
             </a:fld>
             <a:endParaRPr lang="en-US"/>
           </a:p>
@@ -2891,7 +2891,7 @@
           <a:p>
             <a:fld id="{FB221443-D73C-634A-A910-7320408C156D}" type="datetimeFigureOut">
               <a:rPr lang="en-US" smtClean="0"/>
-              <a:t>11/14/2024</a:t>
+              <a:t>11/20/2024</a:t>
             </a:fld>
             <a:endParaRPr lang="en-US"/>
           </a:p>
@@ -3009,7 +3009,7 @@
           <a:p>
             <a:fld id="{FB221443-D73C-634A-A910-7320408C156D}" type="datetimeFigureOut">
               <a:rPr lang="en-US" smtClean="0"/>
-              <a:t>11/14/2024</a:t>
+              <a:t>11/20/2024</a:t>
             </a:fld>
             <a:endParaRPr lang="en-US"/>
           </a:p>
@@ -3104,7 +3104,7 @@
           <a:p>
             <a:fld id="{FB221443-D73C-634A-A910-7320408C156D}" type="datetimeFigureOut">
               <a:rPr lang="en-US" smtClean="0"/>
-              <a:t>11/14/2024</a:t>
+              <a:t>11/20/2024</a:t>
             </a:fld>
             <a:endParaRPr lang="en-US"/>
           </a:p>
@@ -3381,7 +3381,7 @@
           <a:p>
             <a:fld id="{FB221443-D73C-634A-A910-7320408C156D}" type="datetimeFigureOut">
               <a:rPr lang="en-US" smtClean="0"/>
-              <a:t>11/14/2024</a:t>
+              <a:t>11/20/2024</a:t>
             </a:fld>
             <a:endParaRPr lang="en-US"/>
           </a:p>
@@ -3634,7 +3634,7 @@
           <a:p>
             <a:fld id="{FB221443-D73C-634A-A910-7320408C156D}" type="datetimeFigureOut">
               <a:rPr lang="en-US" smtClean="0"/>
-              <a:t>11/14/2024</a:t>
+              <a:t>11/20/2024</a:t>
             </a:fld>
             <a:endParaRPr lang="en-US"/>
           </a:p>
@@ -3847,7 +3847,7 @@
           <a:p>
             <a:fld id="{FB221443-D73C-634A-A910-7320408C156D}" type="datetimeFigureOut">
               <a:rPr lang="en-US" smtClean="0"/>
-              <a:t>11/14/2024</a:t>
+              <a:t>11/20/2024</a:t>
             </a:fld>
             <a:endParaRPr lang="en-US"/>
           </a:p>
@@ -23523,8 +23523,13 @@
           <a:p>
             <a:r>
               <a:rPr lang="en-GB" dirty="0"/>
-              <a:t>Prim's algorithm in 2 minutes</a:t>
-            </a:r>
+              <a:t>Kruskal’s Algorithm for Minimum Spanning Tree | </a:t>
+            </a:r>
+            <a:r>
+              <a:rPr lang="en-GB" dirty="0" err="1"/>
+              <a:t>GeeksforGeeks</a:t>
+            </a:r>
+            <a:endParaRPr lang="en-GB" dirty="0"/>
           </a:p>
           <a:p>
             <a:pPr lvl="1"/>
@@ -23532,23 +23537,12 @@
               <a:rPr lang="en-GB" dirty="0">
                 <a:hlinkClick r:id="rId5"/>
               </a:rPr>
-              <a:t>https://www.youtube.com/watch?v=cplfcGZmX7I</a:t>
+              <a:t>https://www.geeksforgeeks.org/kruskals-minimum-spanning-tree-algorithm-greedy-algo-2/</a:t>
             </a:r>
             <a:r>
               <a:rPr lang="en-GB" dirty="0"/>
               <a:t> </a:t>
             </a:r>
-          </a:p>
-          <a:p>
-            <a:r>
-              <a:rPr lang="en-GB" dirty="0"/>
-              <a:t>Kruskal’s Algorithm for Minimum Spanning Tree | </a:t>
-            </a:r>
-            <a:r>
-              <a:rPr lang="en-GB" dirty="0" err="1"/>
-              <a:t>GeeksforGeeks</a:t>
-            </a:r>
-            <a:endParaRPr lang="en-GB" dirty="0"/>
           </a:p>
           <a:p>
             <a:pPr lvl="1"/>
@@ -23556,7 +23550,7 @@
               <a:rPr lang="en-GB" dirty="0">
                 <a:hlinkClick r:id="rId6"/>
               </a:rPr>
-              <a:t>https://www.geeksforgeeks.org/kruskals-minimum-spanning-tree-algorithm-greedy-algo-2/</a:t>
+              <a:t>https://www.youtube.com/watch?v=3rrNH_AizMA</a:t>
             </a:r>
             <a:r>
               <a:rPr lang="en-GB" dirty="0"/>
@@ -23564,22 +23558,32 @@
             </a:r>
           </a:p>
           <a:p>
+            <a:r>
+              <a:rPr lang="en-GB" dirty="0"/>
+              <a:t>Prim's algorithm in 2 minutes</a:t>
+            </a:r>
+          </a:p>
+          <a:p>
             <a:pPr lvl="1"/>
             <a:r>
-              <a:rPr lang="en-GB" dirty="0">
+              <a:rPr lang="en-GB">
                 <a:hlinkClick r:id="rId7"/>
               </a:rPr>
-              <a:t>https://www.youtube.com/watch?v=3rrNH_AizMA</a:t>
+              <a:t>https://www.youtube.com/watch?v=cplfcGZmX7I</a:t>
+            </a:r>
+            <a:r>
+              <a:rPr lang="en-GB"/>
+              <a:t> </a:t>
+            </a:r>
+          </a:p>
+          <a:p>
+            <a:r>
+              <a:rPr lang="en-GB"/>
+              <a:t>Kruskal’s </a:t>
             </a:r>
             <a:r>
               <a:rPr lang="en-GB" dirty="0"/>
-              <a:t> </a:t>
-            </a:r>
-          </a:p>
-          <a:p>
-            <a:r>
-              <a:rPr lang="en-GB" dirty="0"/>
-              <a:t>Kruskal’s Algorithm in 2 minutes</a:t>
+              <a:t>Algorithm in 2 minutes</a:t>
             </a:r>
           </a:p>
           <a:p>

--- a/PPTs/Lecture 12-minimum spanning trees.pptx
+++ b/PPTs/Lecture 12-minimum spanning trees.pptx
@@ -5,7 +5,7 @@
     <p:sldMasterId id="2147483648" r:id="rId1"/>
   </p:sldMasterIdLst>
   <p:notesMasterIdLst>
-    <p:notesMasterId r:id="rId26"/>
+    <p:notesMasterId r:id="rId28"/>
   </p:notesMasterIdLst>
   <p:sldIdLst>
     <p:sldId id="256" r:id="rId2"/>
@@ -16,22 +16,24 @@
     <p:sldId id="346" r:id="rId7"/>
     <p:sldId id="347" r:id="rId8"/>
     <p:sldId id="352" r:id="rId9"/>
-    <p:sldId id="353" r:id="rId10"/>
-    <p:sldId id="354" r:id="rId11"/>
-    <p:sldId id="355" r:id="rId12"/>
-    <p:sldId id="356" r:id="rId13"/>
-    <p:sldId id="321" r:id="rId14"/>
-    <p:sldId id="362" r:id="rId15"/>
-    <p:sldId id="344" r:id="rId16"/>
-    <p:sldId id="357" r:id="rId17"/>
-    <p:sldId id="351" r:id="rId18"/>
-    <p:sldId id="359" r:id="rId19"/>
-    <p:sldId id="360" r:id="rId20"/>
-    <p:sldId id="358" r:id="rId21"/>
-    <p:sldId id="312" r:id="rId22"/>
-    <p:sldId id="361" r:id="rId23"/>
-    <p:sldId id="333" r:id="rId24"/>
-    <p:sldId id="349" r:id="rId25"/>
+    <p:sldId id="364" r:id="rId10"/>
+    <p:sldId id="353" r:id="rId11"/>
+    <p:sldId id="354" r:id="rId12"/>
+    <p:sldId id="355" r:id="rId13"/>
+    <p:sldId id="356" r:id="rId14"/>
+    <p:sldId id="321" r:id="rId15"/>
+    <p:sldId id="362" r:id="rId16"/>
+    <p:sldId id="344" r:id="rId17"/>
+    <p:sldId id="357" r:id="rId18"/>
+    <p:sldId id="363" r:id="rId19"/>
+    <p:sldId id="351" r:id="rId20"/>
+    <p:sldId id="359" r:id="rId21"/>
+    <p:sldId id="360" r:id="rId22"/>
+    <p:sldId id="358" r:id="rId23"/>
+    <p:sldId id="312" r:id="rId24"/>
+    <p:sldId id="361" r:id="rId25"/>
+    <p:sldId id="333" r:id="rId26"/>
+    <p:sldId id="349" r:id="rId27"/>
   </p:sldIdLst>
   <p:sldSz cx="9144000" cy="6858000" type="screen4x3"/>
   <p:notesSz cx="6858000" cy="9144000"/>
@@ -231,7 +233,7 @@
           <a:p>
             <a:fld id="{1B0CF57B-C747-FC49-8C8F-81AE37C96CA4}" type="datetimeFigureOut">
               <a:rPr lang="en-US" smtClean="0"/>
-              <a:t>11/20/2024</a:t>
+              <a:t>11/24/2024</a:t>
             </a:fld>
             <a:endParaRPr lang="en-US"/>
           </a:p>
@@ -721,6 +723,156 @@
   <p:cSld>
     <p:spTree>
       <p:nvGrpSpPr>
+        <p:cNvPr id="1" name=""/>
+        <p:cNvGrpSpPr/>
+        <p:nvPr/>
+      </p:nvGrpSpPr>
+      <p:grpSpPr>
+        <a:xfrm>
+          <a:off x="0" y="0"/>
+          <a:ext cx="0" cy="0"/>
+          <a:chOff x="0" y="0"/>
+          <a:chExt cx="0" cy="0"/>
+        </a:xfrm>
+      </p:grpSpPr>
+      <p:sp>
+        <p:nvSpPr>
+          <p:cNvPr id="2" name="Slide Image Placeholder 1"/>
+          <p:cNvSpPr>
+            <a:spLocks noGrp="1" noRot="1" noChangeAspect="1"/>
+          </p:cNvSpPr>
+          <p:nvPr>
+            <p:ph type="sldImg"/>
+          </p:nvPr>
+        </p:nvSpPr>
+        <p:spPr/>
+      </p:sp>
+      <p:sp>
+        <p:nvSpPr>
+          <p:cNvPr id="3" name="Notes Placeholder 2"/>
+          <p:cNvSpPr>
+            <a:spLocks noGrp="1"/>
+          </p:cNvSpPr>
+          <p:nvPr>
+            <p:ph type="body" idx="1"/>
+          </p:nvPr>
+        </p:nvSpPr>
+        <p:spPr/>
+        <p:txBody>
+          <a:bodyPr/>
+          <a:lstStyle/>
+          <a:p>
+            <a:pPr lvl="1">
+              <a:buFont typeface="Arial" panose="020B0604020202020204" pitchFamily="34" charset="0"/>
+              <a:buChar char="•"/>
+            </a:pPr>
+            <a:r>
+              <a:rPr lang="en-GB" b="0" i="0" dirty="0">
+                <a:effectLst/>
+                <a:latin typeface="__fkGroteskNeue_598ab8"/>
+              </a:rPr>
+              <a:t>decrease-key operations) Extracting the minimum vertex takes </a:t>
+            </a:r>
+            <a:r>
+              <a:rPr lang="en-GB" b="0" i="0" dirty="0">
+                <a:effectLst/>
+                <a:latin typeface="KaTeX_Main"/>
+              </a:rPr>
+              <a:t>O(log⁡ V)</a:t>
+            </a:r>
+            <a:r>
+              <a:rPr lang="en-GB" b="0" i="0" dirty="0">
+                <a:effectLst/>
+                <a:latin typeface="__fkGroteskNeue_598ab8"/>
+              </a:rPr>
+              <a:t>, done </a:t>
+            </a:r>
+            <a:r>
+              <a:rPr lang="en-GB" b="0" i="0" dirty="0">
+                <a:effectLst/>
+                <a:latin typeface="KaTeX_Main"/>
+              </a:rPr>
+              <a:t>V</a:t>
+            </a:r>
+            <a:r>
+              <a:rPr lang="en-GB" b="0" i="0" dirty="0">
+                <a:effectLst/>
+                <a:latin typeface="__fkGroteskNeue_598ab8"/>
+              </a:rPr>
+              <a:t> times.</a:t>
+            </a:r>
+          </a:p>
+          <a:p>
+            <a:pPr lvl="1">
+              <a:buFont typeface="Arial" panose="020B0604020202020204" pitchFamily="34" charset="0"/>
+              <a:buChar char="•"/>
+            </a:pPr>
+            <a:r>
+              <a:rPr lang="en-GB" b="0" i="0">
+                <a:effectLst/>
+                <a:latin typeface="__fkGroteskNeue_598ab8"/>
+              </a:rPr>
+              <a:t>Updating adjacent vertices for all edges takes </a:t>
+            </a:r>
+            <a:r>
+              <a:rPr lang="en-GB" b="0" i="0">
+                <a:effectLst/>
+                <a:latin typeface="KaTeX_Main"/>
+              </a:rPr>
+              <a:t>O(E log⁡ V)</a:t>
+            </a:r>
+            <a:r>
+              <a:rPr lang="en-GB" b="0" i="0">
+                <a:effectLst/>
+                <a:latin typeface="__fkGroteskNeue_598ab8"/>
+              </a:rPr>
+              <a:t>.</a:t>
+            </a:r>
+            <a:endParaRPr lang="en-SE" dirty="0"/>
+          </a:p>
+        </p:txBody>
+      </p:sp>
+      <p:sp>
+        <p:nvSpPr>
+          <p:cNvPr id="4" name="Slide Number Placeholder 3"/>
+          <p:cNvSpPr>
+            <a:spLocks noGrp="1"/>
+          </p:cNvSpPr>
+          <p:nvPr>
+            <p:ph type="sldNum" sz="quarter" idx="5"/>
+          </p:nvPr>
+        </p:nvSpPr>
+        <p:spPr/>
+        <p:txBody>
+          <a:bodyPr/>
+          <a:lstStyle/>
+          <a:p>
+            <a:fld id="{13F62E29-99FC-EB40-923F-D38E4FE7BE7E}" type="slidenum">
+              <a:rPr lang="en-US" smtClean="0"/>
+              <a:t>9</a:t>
+            </a:fld>
+            <a:endParaRPr lang="en-US"/>
+          </a:p>
+        </p:txBody>
+      </p:sp>
+    </p:spTree>
+    <p:extLst>
+      <p:ext uri="{BB962C8B-B14F-4D97-AF65-F5344CB8AC3E}">
+        <p14:creationId xmlns:p14="http://schemas.microsoft.com/office/powerpoint/2010/main" val="3836105605"/>
+      </p:ext>
+    </p:extLst>
+  </p:cSld>
+  <p:clrMapOvr>
+    <a:masterClrMapping/>
+  </p:clrMapOvr>
+</p:notes>
+</file>
+
+<file path=ppt/notesSlides/notesSlide4.xml><?xml version="1.0" encoding="utf-8"?>
+<p:notes xmlns:a="http://schemas.openxmlformats.org/drawingml/2006/main" xmlns:r="http://schemas.openxmlformats.org/officeDocument/2006/relationships" xmlns:p="http://schemas.openxmlformats.org/presentationml/2006/main">
+  <p:cSld>
+    <p:spTree>
+      <p:nvGrpSpPr>
         <p:cNvPr id="1" name="">
           <a:extLst>
             <a:ext uri="{FF2B5EF4-FFF2-40B4-BE49-F238E27FC236}">
@@ -831,7 +983,7 @@
           <a:p>
             <a:fld id="{13F62E29-99FC-EB40-923F-D38E4FE7BE7E}" type="slidenum">
               <a:rPr lang="en-US" smtClean="0"/>
-              <a:t>14</a:t>
+              <a:t>15</a:t>
             </a:fld>
             <a:endParaRPr lang="en-US"/>
           </a:p>
@@ -841,186 +993,6 @@
     <p:extLst>
       <p:ext uri="{BB962C8B-B14F-4D97-AF65-F5344CB8AC3E}">
         <p14:creationId xmlns:p14="http://schemas.microsoft.com/office/powerpoint/2010/main" val="3766753054"/>
-      </p:ext>
-    </p:extLst>
-  </p:cSld>
-  <p:clrMapOvr>
-    <a:masterClrMapping/>
-  </p:clrMapOvr>
-</p:notes>
-</file>
-
-<file path=ppt/notesSlides/notesSlide4.xml><?xml version="1.0" encoding="utf-8"?>
-<p:notes xmlns:a="http://schemas.openxmlformats.org/drawingml/2006/main" xmlns:r="http://schemas.openxmlformats.org/officeDocument/2006/relationships" xmlns:p="http://schemas.openxmlformats.org/presentationml/2006/main">
-  <p:cSld>
-    <p:spTree>
-      <p:nvGrpSpPr>
-        <p:cNvPr id="1" name=""/>
-        <p:cNvGrpSpPr/>
-        <p:nvPr/>
-      </p:nvGrpSpPr>
-      <p:grpSpPr>
-        <a:xfrm>
-          <a:off x="0" y="0"/>
-          <a:ext cx="0" cy="0"/>
-          <a:chOff x="0" y="0"/>
-          <a:chExt cx="0" cy="0"/>
-        </a:xfrm>
-      </p:grpSpPr>
-      <p:sp>
-        <p:nvSpPr>
-          <p:cNvPr id="2" name="Slide Image Placeholder 1"/>
-          <p:cNvSpPr>
-            <a:spLocks noGrp="1" noRot="1" noChangeAspect="1"/>
-          </p:cNvSpPr>
-          <p:nvPr>
-            <p:ph type="sldImg"/>
-          </p:nvPr>
-        </p:nvSpPr>
-        <p:spPr/>
-      </p:sp>
-      <p:sp>
-        <p:nvSpPr>
-          <p:cNvPr id="3" name="Notes Placeholder 2"/>
-          <p:cNvSpPr>
-            <a:spLocks noGrp="1"/>
-          </p:cNvSpPr>
-          <p:nvPr>
-            <p:ph type="body" idx="1"/>
-          </p:nvPr>
-        </p:nvSpPr>
-        <p:spPr/>
-        <p:txBody>
-          <a:bodyPr/>
-          <a:lstStyle/>
-          <a:p>
-            <a:pPr>
-              <a:spcBef>
-                <a:spcPts val="300"/>
-              </a:spcBef>
-              <a:spcAft>
-                <a:spcPts val="300"/>
-              </a:spcAft>
-            </a:pPr>
-            <a:r>
-              <a:rPr lang="en-US" sz="2000" dirty="0"/>
-              <a:t>Dijkstra’s algorithm seem familiar?</a:t>
-            </a:r>
-          </a:p>
-          <a:p>
-            <a:pPr lvl="1">
-              <a:spcBef>
-                <a:spcPts val="300"/>
-              </a:spcBef>
-              <a:spcAft>
-                <a:spcPts val="300"/>
-              </a:spcAft>
-              <a:buClr>
-                <a:schemeClr val="accent1"/>
-              </a:buClr>
-            </a:pPr>
-            <a:r>
-              <a:rPr lang="en-US" sz="1800" dirty="0"/>
-              <a:t>Prim’s algorithm is essentially the same algorithm.</a:t>
-            </a:r>
-          </a:p>
-          <a:p>
-            <a:pPr lvl="1">
-              <a:spcBef>
-                <a:spcPts val="300"/>
-              </a:spcBef>
-              <a:spcAft>
-                <a:spcPts val="300"/>
-              </a:spcAft>
-              <a:buClr>
-                <a:schemeClr val="accent1"/>
-              </a:buClr>
-            </a:pPr>
-            <a:r>
-              <a:rPr lang="en-US" sz="1800" dirty="0"/>
-              <a:t>Both are in a family of algorithms that compute a graph’s spanning tree.</a:t>
-            </a:r>
-          </a:p>
-          <a:p>
-            <a:pPr>
-              <a:spcBef>
-                <a:spcPts val="300"/>
-              </a:spcBef>
-              <a:spcAft>
-                <a:spcPts val="300"/>
-              </a:spcAft>
-            </a:pPr>
-            <a:r>
-              <a:rPr lang="en-US" sz="2000" dirty="0"/>
-              <a:t>Main distinction: Rule used to choose next vertex for the tree.</a:t>
-            </a:r>
-          </a:p>
-          <a:p>
-            <a:pPr lvl="1">
-              <a:spcBef>
-                <a:spcPts val="300"/>
-              </a:spcBef>
-              <a:spcAft>
-                <a:spcPts val="300"/>
-              </a:spcAft>
-              <a:buClr>
-                <a:schemeClr val="accent1"/>
-              </a:buClr>
-            </a:pPr>
-            <a:r>
-              <a:rPr lang="en-US" sz="1800" dirty="0"/>
-              <a:t>Prim’s: Closest vertex to the tree (via an undirected edge).</a:t>
-            </a:r>
-          </a:p>
-          <a:p>
-            <a:pPr lvl="1">
-              <a:spcBef>
-                <a:spcPts val="300"/>
-              </a:spcBef>
-              <a:spcAft>
-                <a:spcPts val="300"/>
-              </a:spcAft>
-              <a:buClr>
-                <a:schemeClr val="accent1"/>
-              </a:buClr>
-            </a:pPr>
-            <a:r>
-              <a:rPr lang="en-US" sz="1800" dirty="0"/>
-              <a:t>Dijkstra’s: Closest vertex to the source (via a directed path).</a:t>
-            </a:r>
-          </a:p>
-          <a:p>
-            <a:endParaRPr lang="en-SE" dirty="0"/>
-          </a:p>
-        </p:txBody>
-      </p:sp>
-      <p:sp>
-        <p:nvSpPr>
-          <p:cNvPr id="4" name="Slide Number Placeholder 3"/>
-          <p:cNvSpPr>
-            <a:spLocks noGrp="1"/>
-          </p:cNvSpPr>
-          <p:nvPr>
-            <p:ph type="sldNum" sz="quarter" idx="5"/>
-          </p:nvPr>
-        </p:nvSpPr>
-        <p:spPr/>
-        <p:txBody>
-          <a:bodyPr/>
-          <a:lstStyle/>
-          <a:p>
-            <a:fld id="{13F62E29-99FC-EB40-923F-D38E4FE7BE7E}" type="slidenum">
-              <a:rPr lang="en-US" smtClean="0"/>
-              <a:t>15</a:t>
-            </a:fld>
-            <a:endParaRPr lang="en-US"/>
-          </a:p>
-        </p:txBody>
-      </p:sp>
-    </p:spTree>
-    <p:extLst>
-      <p:ext uri="{BB962C8B-B14F-4D97-AF65-F5344CB8AC3E}">
-        <p14:creationId xmlns:p14="http://schemas.microsoft.com/office/powerpoint/2010/main" val="3701582536"/>
       </p:ext>
     </p:extLst>
   </p:cSld>
@@ -1074,29 +1046,99 @@
           <a:bodyPr/>
           <a:lstStyle/>
           <a:p>
-            <a:pPr marL="0" marR="0" lvl="0" indent="0" algn="l" defTabSz="914400" rtl="0" eaLnBrk="1" fontAlgn="auto" latinLnBrk="0" hangingPunct="1">
-              <a:lnSpc>
-                <a:spcPct val="100000"/>
-              </a:lnSpc>
+            <a:pPr>
               <a:spcBef>
-                <a:spcPts val="0"/>
+                <a:spcPts val="300"/>
               </a:spcBef>
               <a:spcAft>
-                <a:spcPts val="0"/>
+                <a:spcPts val="300"/>
               </a:spcAft>
-              <a:buClrTx/>
-              <a:buSzTx/>
-              <a:buFontTx/>
-              <a:buNone/>
-              <a:tabLst/>
-              <a:defRPr/>
             </a:pPr>
             <a:r>
-              <a:rPr lang="en-GB" b="0" i="0" dirty="0">
-                <a:effectLst/>
-                <a:latin typeface="__fkGroteskNeue_598ab8"/>
-              </a:rPr>
-              <a:t>This establishes our starting point</a:t>
+              <a:rPr lang="en-US" sz="2000" dirty="0"/>
+              <a:t>Dijkstra’s algorithm seem familiar?</a:t>
+            </a:r>
+          </a:p>
+          <a:p>
+            <a:pPr lvl="1">
+              <a:spcBef>
+                <a:spcPts val="300"/>
+              </a:spcBef>
+              <a:spcAft>
+                <a:spcPts val="300"/>
+              </a:spcAft>
+              <a:buClr>
+                <a:schemeClr val="accent1"/>
+              </a:buClr>
+            </a:pPr>
+            <a:r>
+              <a:rPr lang="en-US" sz="1800" dirty="0"/>
+              <a:t>Prim’s algorithm is essentially the same algorithm.</a:t>
+            </a:r>
+          </a:p>
+          <a:p>
+            <a:pPr lvl="1">
+              <a:spcBef>
+                <a:spcPts val="300"/>
+              </a:spcBef>
+              <a:spcAft>
+                <a:spcPts val="300"/>
+              </a:spcAft>
+              <a:buClr>
+                <a:schemeClr val="accent1"/>
+              </a:buClr>
+            </a:pPr>
+            <a:r>
+              <a:rPr lang="en-US" sz="1800" dirty="0"/>
+              <a:t>Both are in a family of algorithms that compute a graph’s spanning tree.</a:t>
+            </a:r>
+          </a:p>
+          <a:p>
+            <a:pPr>
+              <a:spcBef>
+                <a:spcPts val="300"/>
+              </a:spcBef>
+              <a:spcAft>
+                <a:spcPts val="300"/>
+              </a:spcAft>
+            </a:pPr>
+            <a:r>
+              <a:rPr lang="en-US" sz="2000" dirty="0"/>
+              <a:t>Main distinction: Rule used to choose next vertex for the tree.</a:t>
+            </a:r>
+          </a:p>
+          <a:p>
+            <a:pPr lvl="1">
+              <a:spcBef>
+                <a:spcPts val="300"/>
+              </a:spcBef>
+              <a:spcAft>
+                <a:spcPts val="300"/>
+              </a:spcAft>
+              <a:buClr>
+                <a:schemeClr val="accent1"/>
+              </a:buClr>
+            </a:pPr>
+            <a:r>
+              <a:rPr lang="en-US" sz="1800" dirty="0"/>
+              <a:t>Prim’s: Closest vertex to the tree (via an undirected edge).</a:t>
+            </a:r>
+          </a:p>
+          <a:p>
+            <a:pPr lvl="1">
+              <a:spcBef>
+                <a:spcPts val="300"/>
+              </a:spcBef>
+              <a:spcAft>
+                <a:spcPts val="300"/>
+              </a:spcAft>
+              <a:buClr>
+                <a:schemeClr val="accent1"/>
+              </a:buClr>
+            </a:pPr>
+            <a:r>
+              <a:rPr lang="en-US" sz="1800" dirty="0"/>
+              <a:t>Dijkstra’s: Closest vertex to the source (via a directed path).</a:t>
             </a:r>
           </a:p>
           <a:p>
@@ -1121,7 +1163,7 @@
           <a:p>
             <a:fld id="{13F62E29-99FC-EB40-923F-D38E4FE7BE7E}" type="slidenum">
               <a:rPr lang="en-US" smtClean="0"/>
-              <a:t>22</a:t>
+              <a:t>16</a:t>
             </a:fld>
             <a:endParaRPr lang="en-US"/>
           </a:p>
@@ -1130,7 +1172,7 @@
     </p:spTree>
     <p:extLst>
       <p:ext uri="{BB962C8B-B14F-4D97-AF65-F5344CB8AC3E}">
-        <p14:creationId xmlns:p14="http://schemas.microsoft.com/office/powerpoint/2010/main" val="4072559263"/>
+        <p14:creationId xmlns:p14="http://schemas.microsoft.com/office/powerpoint/2010/main" val="3701582536"/>
       </p:ext>
     </p:extLst>
   </p:cSld>
@@ -1184,10 +1226,32 @@
           <a:bodyPr/>
           <a:lstStyle/>
           <a:p>
-            <a:r>
-              <a:rPr lang="en-GB" dirty="0"/>
-              <a:t>https://www.geeksforgeeks.org/kruskals-minimum-spanning-tree-algorithm-greedy-algo-2/</a:t>
-            </a:r>
+            <a:pPr marL="0" marR="0" lvl="0" indent="0" algn="l" defTabSz="914400" rtl="0" eaLnBrk="1" fontAlgn="auto" latinLnBrk="0" hangingPunct="1">
+              <a:lnSpc>
+                <a:spcPct val="100000"/>
+              </a:lnSpc>
+              <a:spcBef>
+                <a:spcPts val="0"/>
+              </a:spcBef>
+              <a:spcAft>
+                <a:spcPts val="0"/>
+              </a:spcAft>
+              <a:buClrTx/>
+              <a:buSzTx/>
+              <a:buFontTx/>
+              <a:buNone/>
+              <a:tabLst/>
+              <a:defRPr/>
+            </a:pPr>
+            <a:r>
+              <a:rPr lang="en-GB" b="0" i="0" dirty="0">
+                <a:effectLst/>
+                <a:latin typeface="__fkGroteskNeue_598ab8"/>
+              </a:rPr>
+              <a:t>This establishes our starting point</a:t>
+            </a:r>
+          </a:p>
+          <a:p>
             <a:endParaRPr lang="en-SE" dirty="0"/>
           </a:p>
         </p:txBody>
@@ -1210,6 +1274,94 @@
             <a:fld id="{13F62E29-99FC-EB40-923F-D38E4FE7BE7E}" type="slidenum">
               <a:rPr lang="en-US" smtClean="0"/>
               <a:t>24</a:t>
+            </a:fld>
+            <a:endParaRPr lang="en-US"/>
+          </a:p>
+        </p:txBody>
+      </p:sp>
+    </p:spTree>
+    <p:extLst>
+      <p:ext uri="{BB962C8B-B14F-4D97-AF65-F5344CB8AC3E}">
+        <p14:creationId xmlns:p14="http://schemas.microsoft.com/office/powerpoint/2010/main" val="4072559263"/>
+      </p:ext>
+    </p:extLst>
+  </p:cSld>
+  <p:clrMapOvr>
+    <a:masterClrMapping/>
+  </p:clrMapOvr>
+</p:notes>
+</file>
+
+<file path=ppt/notesSlides/notesSlide7.xml><?xml version="1.0" encoding="utf-8"?>
+<p:notes xmlns:a="http://schemas.openxmlformats.org/drawingml/2006/main" xmlns:r="http://schemas.openxmlformats.org/officeDocument/2006/relationships" xmlns:p="http://schemas.openxmlformats.org/presentationml/2006/main">
+  <p:cSld>
+    <p:spTree>
+      <p:nvGrpSpPr>
+        <p:cNvPr id="1" name=""/>
+        <p:cNvGrpSpPr/>
+        <p:nvPr/>
+      </p:nvGrpSpPr>
+      <p:grpSpPr>
+        <a:xfrm>
+          <a:off x="0" y="0"/>
+          <a:ext cx="0" cy="0"/>
+          <a:chOff x="0" y="0"/>
+          <a:chExt cx="0" cy="0"/>
+        </a:xfrm>
+      </p:grpSpPr>
+      <p:sp>
+        <p:nvSpPr>
+          <p:cNvPr id="2" name="Slide Image Placeholder 1"/>
+          <p:cNvSpPr>
+            <a:spLocks noGrp="1" noRot="1" noChangeAspect="1"/>
+          </p:cNvSpPr>
+          <p:nvPr>
+            <p:ph type="sldImg"/>
+          </p:nvPr>
+        </p:nvSpPr>
+        <p:spPr/>
+      </p:sp>
+      <p:sp>
+        <p:nvSpPr>
+          <p:cNvPr id="3" name="Notes Placeholder 2"/>
+          <p:cNvSpPr>
+            <a:spLocks noGrp="1"/>
+          </p:cNvSpPr>
+          <p:nvPr>
+            <p:ph type="body" idx="1"/>
+          </p:nvPr>
+        </p:nvSpPr>
+        <p:spPr/>
+        <p:txBody>
+          <a:bodyPr/>
+          <a:lstStyle/>
+          <a:p>
+            <a:r>
+              <a:rPr lang="en-GB" dirty="0"/>
+              <a:t>https://www.geeksforgeeks.org/kruskals-minimum-spanning-tree-algorithm-greedy-algo-2/</a:t>
+            </a:r>
+            <a:endParaRPr lang="en-SE" dirty="0"/>
+          </a:p>
+        </p:txBody>
+      </p:sp>
+      <p:sp>
+        <p:nvSpPr>
+          <p:cNvPr id="4" name="Slide Number Placeholder 3"/>
+          <p:cNvSpPr>
+            <a:spLocks noGrp="1"/>
+          </p:cNvSpPr>
+          <p:nvPr>
+            <p:ph type="sldNum" sz="quarter" idx="5"/>
+          </p:nvPr>
+        </p:nvSpPr>
+        <p:spPr/>
+        <p:txBody>
+          <a:bodyPr/>
+          <a:lstStyle/>
+          <a:p>
+            <a:fld id="{13F62E29-99FC-EB40-923F-D38E4FE7BE7E}" type="slidenum">
+              <a:rPr lang="en-US" smtClean="0"/>
+              <a:t>26</a:t>
             </a:fld>
             <a:endParaRPr lang="en-US"/>
           </a:p>
@@ -1415,7 +1567,7 @@
           <a:p>
             <a:fld id="{FB221443-D73C-634A-A910-7320408C156D}" type="datetimeFigureOut">
               <a:rPr lang="en-US" smtClean="0"/>
-              <a:t>11/20/2024</a:t>
+              <a:t>11/24/2024</a:t>
             </a:fld>
             <a:endParaRPr lang="en-US"/>
           </a:p>
@@ -1585,7 +1737,7 @@
           <a:p>
             <a:fld id="{FB221443-D73C-634A-A910-7320408C156D}" type="datetimeFigureOut">
               <a:rPr lang="en-US" smtClean="0"/>
-              <a:t>11/20/2024</a:t>
+              <a:t>11/24/2024</a:t>
             </a:fld>
             <a:endParaRPr lang="en-US"/>
           </a:p>
@@ -1765,7 +1917,7 @@
           <a:p>
             <a:fld id="{FB221443-D73C-634A-A910-7320408C156D}" type="datetimeFigureOut">
               <a:rPr lang="en-US" smtClean="0"/>
-              <a:t>11/20/2024</a:t>
+              <a:t>11/24/2024</a:t>
             </a:fld>
             <a:endParaRPr lang="en-US"/>
           </a:p>
@@ -1935,7 +2087,7 @@
           <a:p>
             <a:fld id="{FB221443-D73C-634A-A910-7320408C156D}" type="datetimeFigureOut">
               <a:rPr lang="en-US" smtClean="0"/>
-              <a:t>11/20/2024</a:t>
+              <a:t>11/24/2024</a:t>
             </a:fld>
             <a:endParaRPr lang="en-US"/>
           </a:p>
@@ -2181,7 +2333,7 @@
           <a:p>
             <a:fld id="{FB221443-D73C-634A-A910-7320408C156D}" type="datetimeFigureOut">
               <a:rPr lang="en-US" smtClean="0"/>
-              <a:t>11/20/2024</a:t>
+              <a:t>11/24/2024</a:t>
             </a:fld>
             <a:endParaRPr lang="en-US"/>
           </a:p>
@@ -2469,7 +2621,7 @@
           <a:p>
             <a:fld id="{FB221443-D73C-634A-A910-7320408C156D}" type="datetimeFigureOut">
               <a:rPr lang="en-US" smtClean="0"/>
-              <a:t>11/20/2024</a:t>
+              <a:t>11/24/2024</a:t>
             </a:fld>
             <a:endParaRPr lang="en-US"/>
           </a:p>
@@ -2891,7 +3043,7 @@
           <a:p>
             <a:fld id="{FB221443-D73C-634A-A910-7320408C156D}" type="datetimeFigureOut">
               <a:rPr lang="en-US" smtClean="0"/>
-              <a:t>11/20/2024</a:t>
+              <a:t>11/24/2024</a:t>
             </a:fld>
             <a:endParaRPr lang="en-US"/>
           </a:p>
@@ -3009,7 +3161,7 @@
           <a:p>
             <a:fld id="{FB221443-D73C-634A-A910-7320408C156D}" type="datetimeFigureOut">
               <a:rPr lang="en-US" smtClean="0"/>
-              <a:t>11/20/2024</a:t>
+              <a:t>11/24/2024</a:t>
             </a:fld>
             <a:endParaRPr lang="en-US"/>
           </a:p>
@@ -3104,7 +3256,7 @@
           <a:p>
             <a:fld id="{FB221443-D73C-634A-A910-7320408C156D}" type="datetimeFigureOut">
               <a:rPr lang="en-US" smtClean="0"/>
-              <a:t>11/20/2024</a:t>
+              <a:t>11/24/2024</a:t>
             </a:fld>
             <a:endParaRPr lang="en-US"/>
           </a:p>
@@ -3381,7 +3533,7 @@
           <a:p>
             <a:fld id="{FB221443-D73C-634A-A910-7320408C156D}" type="datetimeFigureOut">
               <a:rPr lang="en-US" smtClean="0"/>
-              <a:t>11/20/2024</a:t>
+              <a:t>11/24/2024</a:t>
             </a:fld>
             <a:endParaRPr lang="en-US"/>
           </a:p>
@@ -3634,7 +3786,7 @@
           <a:p>
             <a:fld id="{FB221443-D73C-634A-A910-7320408C156D}" type="datetimeFigureOut">
               <a:rPr lang="en-US" smtClean="0"/>
-              <a:t>11/20/2024</a:t>
+              <a:t>11/24/2024</a:t>
             </a:fld>
             <a:endParaRPr lang="en-US"/>
           </a:p>
@@ -3847,7 +3999,7 @@
           <a:p>
             <a:fld id="{FB221443-D73C-634A-A910-7320408C156D}" type="datetimeFigureOut">
               <a:rPr lang="en-US" smtClean="0"/>
-              <a:t>11/20/2024</a:t>
+              <a:t>11/24/2024</a:t>
             </a:fld>
             <a:endParaRPr lang="en-US"/>
           </a:p>
@@ -4349,7 +4501,7 @@
           <a:lstStyle/>
           <a:p>
             <a:r>
-              <a:rPr lang="en-US" sz="2000">
+              <a:rPr lang="en-US" sz="2000" dirty="0">
                 <a:solidFill>
                   <a:schemeClr val="tx1"/>
                 </a:solidFill>
@@ -4452,6 +4604,137 @@
 </file>
 
 <file path=ppt/slides/slide10.xml><?xml version="1.0" encoding="utf-8"?>
+<p:sld xmlns:a="http://schemas.openxmlformats.org/drawingml/2006/main" xmlns:r="http://schemas.openxmlformats.org/officeDocument/2006/relationships" xmlns:p="http://schemas.openxmlformats.org/presentationml/2006/main">
+  <p:cSld>
+    <p:spTree>
+      <p:nvGrpSpPr>
+        <p:cNvPr id="1" name=""/>
+        <p:cNvGrpSpPr/>
+        <p:nvPr/>
+      </p:nvGrpSpPr>
+      <p:grpSpPr>
+        <a:xfrm>
+          <a:off x="0" y="0"/>
+          <a:ext cx="0" cy="0"/>
+          <a:chOff x="0" y="0"/>
+          <a:chExt cx="0" cy="0"/>
+        </a:xfrm>
+      </p:grpSpPr>
+      <p:sp>
+        <p:nvSpPr>
+          <p:cNvPr id="2" name="Title 1">
+            <a:extLst>
+              <a:ext uri="{FF2B5EF4-FFF2-40B4-BE49-F238E27FC236}">
+                <a16:creationId xmlns:a16="http://schemas.microsoft.com/office/drawing/2014/main" id="{C3385F50-9162-3D0F-1363-653AEA76B7E8}"/>
+              </a:ext>
+            </a:extLst>
+          </p:cNvPr>
+          <p:cNvSpPr>
+            <a:spLocks noGrp="1"/>
+          </p:cNvSpPr>
+          <p:nvPr>
+            <p:ph type="title"/>
+          </p:nvPr>
+        </p:nvSpPr>
+        <p:spPr/>
+        <p:txBody>
+          <a:bodyPr/>
+          <a:lstStyle/>
+          <a:p>
+            <a:r>
+              <a:rPr lang="en-GB" dirty="0"/>
+              <a:t>Prim’s Algorithm Example 1</a:t>
+            </a:r>
+            <a:endParaRPr lang="en-SE" dirty="0"/>
+          </a:p>
+        </p:txBody>
+      </p:sp>
+      <p:sp>
+        <p:nvSpPr>
+          <p:cNvPr id="3" name="Content Placeholder 2">
+            <a:extLst>
+              <a:ext uri="{FF2B5EF4-FFF2-40B4-BE49-F238E27FC236}">
+                <a16:creationId xmlns:a16="http://schemas.microsoft.com/office/drawing/2014/main" id="{27E3135A-374D-D93B-09E8-81FA459CFE18}"/>
+              </a:ext>
+            </a:extLst>
+          </p:cNvPr>
+          <p:cNvSpPr>
+            <a:spLocks noGrp="1"/>
+          </p:cNvSpPr>
+          <p:nvPr>
+            <p:ph idx="1"/>
+          </p:nvPr>
+        </p:nvSpPr>
+        <p:spPr/>
+        <p:txBody>
+          <a:bodyPr/>
+          <a:lstStyle/>
+          <a:p>
+            <a:endParaRPr lang="en-SE"/>
+          </a:p>
+        </p:txBody>
+      </p:sp>
+      <p:pic>
+        <p:nvPicPr>
+          <p:cNvPr id="2050" name="Picture 2" descr="Example of a graph">
+            <a:extLst>
+              <a:ext uri="{FF2B5EF4-FFF2-40B4-BE49-F238E27FC236}">
+                <a16:creationId xmlns:a16="http://schemas.microsoft.com/office/drawing/2014/main" id="{748577C6-CCA1-5764-DFBC-501CA1D2F519}"/>
+              </a:ext>
+            </a:extLst>
+          </p:cNvPr>
+          <p:cNvPicPr>
+            <a:picLocks noChangeAspect="1" noChangeArrowheads="1"/>
+          </p:cNvPicPr>
+          <p:nvPr/>
+        </p:nvPicPr>
+        <p:blipFill>
+          <a:blip r:embed="rId2">
+            <a:extLst>
+              <a:ext uri="{28A0092B-C50C-407E-A947-70E740481C1C}">
+                <a14:useLocalDpi xmlns:a14="http://schemas.microsoft.com/office/drawing/2010/main" val="0"/>
+              </a:ext>
+            </a:extLst>
+          </a:blip>
+          <a:srcRect/>
+          <a:stretch>
+            <a:fillRect/>
+          </a:stretch>
+        </p:blipFill>
+        <p:spPr bwMode="auto">
+          <a:xfrm>
+            <a:off x="707000" y="1758156"/>
+            <a:ext cx="7530365" cy="4368007"/>
+          </a:xfrm>
+          <a:prstGeom prst="rect">
+            <a:avLst/>
+          </a:prstGeom>
+          <a:noFill/>
+          <a:extLst>
+            <a:ext uri="{909E8E84-426E-40DD-AFC4-6F175D3DCCD1}">
+              <a14:hiddenFill xmlns:a14="http://schemas.microsoft.com/office/drawing/2010/main">
+                <a:solidFill>
+                  <a:srgbClr val="FFFFFF"/>
+                </a:solidFill>
+              </a14:hiddenFill>
+            </a:ext>
+          </a:extLst>
+        </p:spPr>
+      </p:pic>
+    </p:spTree>
+    <p:extLst>
+      <p:ext uri="{BB962C8B-B14F-4D97-AF65-F5344CB8AC3E}">
+        <p14:creationId xmlns:p14="http://schemas.microsoft.com/office/powerpoint/2010/main" val="3034190079"/>
+      </p:ext>
+    </p:extLst>
+  </p:cSld>
+  <p:clrMapOvr>
+    <a:masterClrMapping/>
+  </p:clrMapOvr>
+</p:sld>
+</file>
+
+<file path=ppt/slides/slide11.xml><?xml version="1.0" encoding="utf-8"?>
 <p:sld xmlns:a="http://schemas.openxmlformats.org/drawingml/2006/main" xmlns:r="http://schemas.openxmlformats.org/officeDocument/2006/relationships" xmlns:p="http://schemas.openxmlformats.org/presentationml/2006/main">
   <p:cSld>
     <p:spTree>
@@ -4753,7 +5036,7 @@
 </p:sld>
 </file>
 
-<file path=ppt/slides/slide11.xml><?xml version="1.0" encoding="utf-8"?>
+<file path=ppt/slides/slide12.xml><?xml version="1.0" encoding="utf-8"?>
 <p:sld xmlns:a="http://schemas.openxmlformats.org/drawingml/2006/main" xmlns:r="http://schemas.openxmlformats.org/officeDocument/2006/relationships" xmlns:p="http://schemas.openxmlformats.org/presentationml/2006/main">
   <p:cSld>
     <p:spTree>
@@ -5029,7 +5312,7 @@
 </p:sld>
 </file>
 
-<file path=ppt/slides/slide12.xml><?xml version="1.0" encoding="utf-8"?>
+<file path=ppt/slides/slide13.xml><?xml version="1.0" encoding="utf-8"?>
 <p:sld xmlns:a="http://schemas.openxmlformats.org/drawingml/2006/main" xmlns:r="http://schemas.openxmlformats.org/officeDocument/2006/relationships" xmlns:p="http://schemas.openxmlformats.org/presentationml/2006/main">
   <p:cSld>
     <p:spTree>
@@ -5330,7 +5613,7 @@
 </p:sld>
 </file>
 
-<file path=ppt/slides/slide13.xml><?xml version="1.0" encoding="utf-8"?>
+<file path=ppt/slides/slide14.xml><?xml version="1.0" encoding="utf-8"?>
 <p:sld xmlns:a="http://schemas.openxmlformats.org/drawingml/2006/main" xmlns:r="http://schemas.openxmlformats.org/officeDocument/2006/relationships" xmlns:p="http://schemas.openxmlformats.org/presentationml/2006/main">
   <p:cSld>
     <p:spTree>
@@ -9575,7 +9858,7 @@
 </p:sld>
 </file>
 
-<file path=ppt/slides/slide14.xml><?xml version="1.0" encoding="utf-8"?>
+<file path=ppt/slides/slide15.xml><?xml version="1.0" encoding="utf-8"?>
 <p:sld xmlns:a="http://schemas.openxmlformats.org/drawingml/2006/main" xmlns:r="http://schemas.openxmlformats.org/officeDocument/2006/relationships" xmlns:p="http://schemas.openxmlformats.org/presentationml/2006/main">
   <p:cSld>
     <p:spTree>
@@ -9623,19 +9906,11 @@
           <a:p>
             <a:r>
               <a:rPr lang="en-US" dirty="0"/>
-              <a:t>Proof of Correctness </a:t>
-            </a:r>
-            <a:r>
-              <a:rPr lang="en-US"/>
-              <a:t>for Prim</a:t>
-            </a:r>
-            <a:r>
-              <a:rPr lang="en-GB"/>
-              <a:t>’s </a:t>
+              <a:t>Proof of Correctness for Prim</a:t>
             </a:r>
             <a:r>
               <a:rPr lang="en-GB" dirty="0"/>
-              <a:t>Algorithm</a:t>
+              <a:t>’s Algorithm</a:t>
             </a:r>
             <a:endParaRPr lang="en-SE" dirty="0"/>
           </a:p>
@@ -10001,7 +10276,7 @@
 </p:sld>
 </file>
 
-<file path=ppt/slides/slide15.xml><?xml version="1.0" encoding="utf-8"?>
+<file path=ppt/slides/slide16.xml><?xml version="1.0" encoding="utf-8"?>
 <p:sld xmlns:a="http://schemas.openxmlformats.org/drawingml/2006/main" xmlns:r="http://schemas.openxmlformats.org/officeDocument/2006/relationships" xmlns:p="http://schemas.openxmlformats.org/presentationml/2006/main">
   <p:cSld>
     <p:spTree>
@@ -10066,9 +10341,36 @@
         <p:spPr/>
         <p:txBody>
           <a:bodyPr>
-            <a:normAutofit/>
+            <a:normAutofit fontScale="92500" lnSpcReduction="10000"/>
           </a:bodyPr>
           <a:lstStyle/>
+          <a:p>
+            <a:r>
+              <a:rPr lang="en-GB" dirty="0"/>
+              <a:t>Similarities:</a:t>
+            </a:r>
+          </a:p>
+          <a:p>
+            <a:pPr lvl="1"/>
+            <a:r>
+              <a:rPr lang="en-GB" dirty="0"/>
+              <a:t>Both use a greedy approach.</a:t>
+            </a:r>
+          </a:p>
+          <a:p>
+            <a:pPr lvl="1"/>
+            <a:r>
+              <a:rPr lang="en-GB" dirty="0"/>
+              <a:t>They employ similar data structures, often using a priority queue.</a:t>
+            </a:r>
+          </a:p>
+          <a:p>
+            <a:pPr lvl="1"/>
+            <a:r>
+              <a:rPr lang="en-GB" dirty="0"/>
+              <a:t>The basic structures of both algorithms are very similar, with the main difference being in how they update vertex values</a:t>
+            </a:r>
+          </a:p>
           <a:p>
             <a:r>
               <a:rPr lang="en-GB" dirty="0"/>
@@ -10136,7 +10438,7 @@
 </p:sld>
 </file>
 
-<file path=ppt/slides/slide16.xml><?xml version="1.0" encoding="utf-8"?>
+<file path=ppt/slides/slide17.xml><?xml version="1.0" encoding="utf-8"?>
 <p:sld xmlns:a="http://schemas.openxmlformats.org/drawingml/2006/main" xmlns:r="http://schemas.openxmlformats.org/officeDocument/2006/relationships" xmlns:p="http://schemas.openxmlformats.org/presentationml/2006/main">
   <p:cSld>
     <p:spTree>
@@ -10243,7 +10545,209 @@
 </p:sld>
 </file>
 
-<file path=ppt/slides/slide17.xml><?xml version="1.0" encoding="utf-8"?>
+<file path=ppt/slides/slide18.xml><?xml version="1.0" encoding="utf-8"?>
+<p:sld xmlns:a="http://schemas.openxmlformats.org/drawingml/2006/main" xmlns:r="http://schemas.openxmlformats.org/officeDocument/2006/relationships" xmlns:p="http://schemas.openxmlformats.org/presentationml/2006/main">
+  <p:cSld>
+    <p:spTree>
+      <p:nvGrpSpPr>
+        <p:cNvPr id="1" name=""/>
+        <p:cNvGrpSpPr/>
+        <p:nvPr/>
+      </p:nvGrpSpPr>
+      <p:grpSpPr>
+        <a:xfrm>
+          <a:off x="0" y="0"/>
+          <a:ext cx="0" cy="0"/>
+          <a:chOff x="0" y="0"/>
+          <a:chExt cx="0" cy="0"/>
+        </a:xfrm>
+      </p:grpSpPr>
+      <p:sp>
+        <p:nvSpPr>
+          <p:cNvPr id="2" name="Title 1">
+            <a:extLst>
+              <a:ext uri="{FF2B5EF4-FFF2-40B4-BE49-F238E27FC236}">
+                <a16:creationId xmlns:a16="http://schemas.microsoft.com/office/drawing/2014/main" id="{9E6A2F73-5290-3909-E0C5-FA086EF87F25}"/>
+              </a:ext>
+            </a:extLst>
+          </p:cNvPr>
+          <p:cNvSpPr>
+            <a:spLocks noGrp="1"/>
+          </p:cNvSpPr>
+          <p:nvPr>
+            <p:ph type="title"/>
+          </p:nvPr>
+        </p:nvSpPr>
+        <p:spPr/>
+        <p:txBody>
+          <a:bodyPr/>
+          <a:lstStyle/>
+          <a:p>
+            <a:r>
+              <a:rPr lang="en-GB" dirty="0"/>
+              <a:t> Time Complexity of Kruskal’s Algorithm </a:t>
+            </a:r>
+            <a:endParaRPr lang="en-SE" dirty="0"/>
+          </a:p>
+        </p:txBody>
+      </p:sp>
+      <p:sp>
+        <p:nvSpPr>
+          <p:cNvPr id="3" name="Content Placeholder 2">
+            <a:extLst>
+              <a:ext uri="{FF2B5EF4-FFF2-40B4-BE49-F238E27FC236}">
+                <a16:creationId xmlns:a16="http://schemas.microsoft.com/office/drawing/2014/main" id="{F5F12809-E454-6B0B-5823-050655648BFA}"/>
+              </a:ext>
+            </a:extLst>
+          </p:cNvPr>
+          <p:cNvSpPr>
+            <a:spLocks noGrp="1"/>
+          </p:cNvSpPr>
+          <p:nvPr>
+            <p:ph idx="1"/>
+          </p:nvPr>
+        </p:nvSpPr>
+        <p:spPr/>
+        <p:txBody>
+          <a:bodyPr>
+            <a:normAutofit/>
+          </a:bodyPr>
+          <a:lstStyle/>
+          <a:p>
+            <a:pPr algn="l">
+              <a:buFont typeface="+mj-lt"/>
+              <a:buAutoNum type="arabicPeriod"/>
+            </a:pPr>
+            <a:r>
+              <a:rPr lang="en-GB" b="0" i="0" dirty="0">
+                <a:effectLst/>
+                <a:latin typeface="Times New Roman" panose="02020603050405020304" pitchFamily="18" charset="0"/>
+                <a:cs typeface="Times New Roman" panose="02020603050405020304" pitchFamily="18" charset="0"/>
+              </a:rPr>
+              <a:t>The time complexity of Kruskal's algorithm is determined by two main operations:</a:t>
+            </a:r>
+          </a:p>
+          <a:p>
+            <a:pPr lvl="1">
+              <a:buFont typeface="+mj-lt"/>
+              <a:buAutoNum type="arabicPeriod"/>
+            </a:pPr>
+            <a:r>
+              <a:rPr lang="en-GB" b="0" i="0" dirty="0">
+                <a:effectLst/>
+                <a:latin typeface="Times New Roman" panose="02020603050405020304" pitchFamily="18" charset="0"/>
+                <a:cs typeface="Times New Roman" panose="02020603050405020304" pitchFamily="18" charset="0"/>
+              </a:rPr>
+              <a:t>Sorting the edges: Sorting all E edges by weight takes O(E log E)</a:t>
+            </a:r>
+            <a:r>
+              <a:rPr lang="en-GB" b="0" i="1" dirty="0">
+                <a:effectLst/>
+                <a:latin typeface="Times New Roman" panose="02020603050405020304" pitchFamily="18" charset="0"/>
+                <a:cs typeface="Times New Roman" panose="02020603050405020304" pitchFamily="18" charset="0"/>
+              </a:rPr>
+              <a:t> </a:t>
+            </a:r>
+            <a:r>
+              <a:rPr lang="en-GB" b="0" i="0" dirty="0">
+                <a:effectLst/>
+                <a:latin typeface="Times New Roman" panose="02020603050405020304" pitchFamily="18" charset="0"/>
+                <a:cs typeface="Times New Roman" panose="02020603050405020304" pitchFamily="18" charset="0"/>
+              </a:rPr>
+              <a:t>using a comparison-based sorting algorithm.</a:t>
+            </a:r>
+          </a:p>
+          <a:p>
+            <a:pPr lvl="1">
+              <a:buFont typeface="+mj-lt"/>
+              <a:buAutoNum type="arabicPeriod"/>
+            </a:pPr>
+            <a:r>
+              <a:rPr lang="en-GB" b="0" i="0" dirty="0">
+                <a:effectLst/>
+                <a:latin typeface="Times New Roman" panose="02020603050405020304" pitchFamily="18" charset="0"/>
+                <a:cs typeface="Times New Roman" panose="02020603050405020304" pitchFamily="18" charset="0"/>
+              </a:rPr>
+              <a:t>Union-Find operations: For each edge, the algorithm performs union and find operations to check for cycles, with time complexity O(α(V)), where α is the inverse Ackermann function, which </a:t>
+            </a:r>
+            <a:r>
+              <a:rPr lang="en-GB" dirty="0">
+                <a:latin typeface="Times New Roman" panose="02020603050405020304" pitchFamily="18" charset="0"/>
+                <a:cs typeface="Times New Roman" panose="02020603050405020304" pitchFamily="18" charset="0"/>
+              </a:rPr>
+              <a:t>grows slower than logarithmic function O(log V).</a:t>
+            </a:r>
+            <a:endParaRPr lang="en-GB" b="0" i="0" dirty="0">
+              <a:effectLst/>
+              <a:latin typeface="Times New Roman" panose="02020603050405020304" pitchFamily="18" charset="0"/>
+              <a:cs typeface="Times New Roman" panose="02020603050405020304" pitchFamily="18" charset="0"/>
+            </a:endParaRPr>
+          </a:p>
+          <a:p>
+            <a:pPr algn="l">
+              <a:buFont typeface="Arial" panose="020B0604020202020204" pitchFamily="34" charset="0"/>
+              <a:buChar char="•"/>
+            </a:pPr>
+            <a:r>
+              <a:rPr lang="en-GB" b="0" i="0" dirty="0">
+                <a:effectLst/>
+                <a:latin typeface="Times New Roman" panose="02020603050405020304" pitchFamily="18" charset="0"/>
+                <a:cs typeface="Times New Roman" panose="02020603050405020304" pitchFamily="18" charset="0"/>
+              </a:rPr>
+              <a:t>Thus, the overall time complexity is dominated by the sorting step, resulting in time complexity</a:t>
+            </a:r>
+            <a:r>
+              <a:rPr lang="en-GB" dirty="0">
+                <a:latin typeface="Times New Roman" panose="02020603050405020304" pitchFamily="18" charset="0"/>
+                <a:cs typeface="Times New Roman" panose="02020603050405020304" pitchFamily="18" charset="0"/>
+              </a:rPr>
+              <a:t> of</a:t>
+            </a:r>
+            <a:r>
+              <a:rPr lang="en-GB" b="0" i="0" dirty="0">
+                <a:effectLst/>
+                <a:latin typeface="Times New Roman" panose="02020603050405020304" pitchFamily="18" charset="0"/>
+                <a:cs typeface="Times New Roman" panose="02020603050405020304" pitchFamily="18" charset="0"/>
+              </a:rPr>
+              <a:t> O(E log E) or equivalently O(E log V), since E ≤ V</a:t>
+            </a:r>
+            <a:r>
+              <a:rPr lang="en-GB" b="0" i="0" baseline="30000" dirty="0">
+                <a:effectLst/>
+                <a:latin typeface="Times New Roman" panose="02020603050405020304" pitchFamily="18" charset="0"/>
+                <a:cs typeface="Times New Roman" panose="02020603050405020304" pitchFamily="18" charset="0"/>
+              </a:rPr>
+              <a:t>2</a:t>
+            </a:r>
+            <a:r>
+              <a:rPr lang="en-GB" b="0" i="0" dirty="0">
+                <a:effectLst/>
+                <a:latin typeface="Times New Roman" panose="02020603050405020304" pitchFamily="18" charset="0"/>
+                <a:cs typeface="Times New Roman" panose="02020603050405020304" pitchFamily="18" charset="0"/>
+              </a:rPr>
+              <a:t> for a connected graph.</a:t>
+            </a:r>
+            <a:endParaRPr lang="en-SE" dirty="0">
+              <a:latin typeface="Times New Roman" panose="02020603050405020304" pitchFamily="18" charset="0"/>
+              <a:cs typeface="Times New Roman" panose="02020603050405020304" pitchFamily="18" charset="0"/>
+            </a:endParaRPr>
+          </a:p>
+        </p:txBody>
+      </p:sp>
+    </p:spTree>
+    <p:extLst>
+      <p:ext uri="{BB962C8B-B14F-4D97-AF65-F5344CB8AC3E}">
+        <p14:creationId xmlns:p14="http://schemas.microsoft.com/office/powerpoint/2010/main" val="3805286043"/>
+      </p:ext>
+    </p:extLst>
+  </p:cSld>
+  <p:clrMapOvr>
+    <a:masterClrMapping/>
+  </p:clrMapOvr>
+</p:sld>
+</file>
+
+<file path=ppt/slides/slide19.xml><?xml version="1.0" encoding="utf-8"?>
 <p:sld xmlns:a="http://schemas.openxmlformats.org/drawingml/2006/main" xmlns:r="http://schemas.openxmlformats.org/officeDocument/2006/relationships" xmlns:p="http://schemas.openxmlformats.org/presentationml/2006/main">
   <p:cSld>
     <p:spTree>
@@ -10374,7 +10878,363 @@
 </p:sld>
 </file>
 
-<file path=ppt/slides/slide18.xml><?xml version="1.0" encoding="utf-8"?>
+<file path=ppt/slides/slide2.xml><?xml version="1.0" encoding="utf-8"?>
+<p:sld xmlns:a="http://schemas.openxmlformats.org/drawingml/2006/main" xmlns:r="http://schemas.openxmlformats.org/officeDocument/2006/relationships" xmlns:p="http://schemas.openxmlformats.org/presentationml/2006/main">
+  <p:cSld>
+    <p:spTree>
+      <p:nvGrpSpPr>
+        <p:cNvPr id="1" name=""/>
+        <p:cNvGrpSpPr/>
+        <p:nvPr/>
+      </p:nvGrpSpPr>
+      <p:grpSpPr>
+        <a:xfrm>
+          <a:off x="0" y="0"/>
+          <a:ext cx="0" cy="0"/>
+          <a:chOff x="0" y="0"/>
+          <a:chExt cx="0" cy="0"/>
+        </a:xfrm>
+      </p:grpSpPr>
+      <p:sp>
+        <p:nvSpPr>
+          <p:cNvPr id="2" name="Title 1"/>
+          <p:cNvSpPr>
+            <a:spLocks noGrp="1"/>
+          </p:cNvSpPr>
+          <p:nvPr>
+            <p:ph type="title"/>
+          </p:nvPr>
+        </p:nvSpPr>
+        <p:spPr/>
+        <p:txBody>
+          <a:bodyPr/>
+          <a:lstStyle/>
+          <a:p>
+            <a:r>
+              <a:rPr lang="en-US"/>
+              <a:t>Lecture</a:t>
+            </a:r>
+            <a:r>
+              <a:rPr lang="zh-CN" altLang="en-US"/>
+              <a:t> </a:t>
+            </a:r>
+            <a:r>
+              <a:rPr lang="en-US" altLang="zh-CN"/>
+              <a:t>Goals</a:t>
+            </a:r>
+            <a:endParaRPr lang="en-US"/>
+          </a:p>
+        </p:txBody>
+      </p:sp>
+      <p:sp>
+        <p:nvSpPr>
+          <p:cNvPr id="4" name="Content Placeholder 3"/>
+          <p:cNvSpPr>
+            <a:spLocks noGrp="1"/>
+          </p:cNvSpPr>
+          <p:nvPr>
+            <p:ph idx="1"/>
+          </p:nvPr>
+        </p:nvSpPr>
+        <p:spPr>
+          <a:xfrm>
+            <a:off x="457200" y="1417637"/>
+            <a:ext cx="8229600" cy="5149417"/>
+          </a:xfrm>
+        </p:spPr>
+        <p:txBody>
+          <a:bodyPr>
+            <a:noAutofit/>
+          </a:bodyPr>
+          <a:lstStyle/>
+          <a:p>
+            <a:r>
+              <a:rPr lang="en-US" dirty="0"/>
+              <a:t>In this lecture we study the </a:t>
+            </a:r>
+            <a:r>
+              <a:rPr lang="en-US" dirty="0">
+                <a:solidFill>
+                  <a:schemeClr val="accent1"/>
+                </a:solidFill>
+              </a:rPr>
+              <a:t>minimum spanning tree </a:t>
+            </a:r>
+            <a:r>
+              <a:rPr lang="en-US" dirty="0"/>
+              <a:t>problem. </a:t>
+            </a:r>
+          </a:p>
+          <a:p>
+            <a:r>
+              <a:rPr lang="en-US" altLang="zh-CN" dirty="0"/>
+              <a:t>We </a:t>
+            </a:r>
+            <a:r>
+              <a:rPr lang="en-US" dirty="0"/>
+              <a:t>consider two classic algorithm for the problem—</a:t>
+            </a:r>
+            <a:r>
+              <a:rPr lang="en-US" dirty="0">
+                <a:solidFill>
+                  <a:schemeClr val="accent6"/>
+                </a:solidFill>
+              </a:rPr>
+              <a:t>Kruskal's algorithm</a:t>
+            </a:r>
+            <a:r>
+              <a:rPr lang="en-US" dirty="0"/>
+              <a:t> and </a:t>
+            </a:r>
+            <a:r>
+              <a:rPr lang="en-US" dirty="0">
+                <a:solidFill>
+                  <a:schemeClr val="accent6"/>
+                </a:solidFill>
+              </a:rPr>
+              <a:t>Prim's algorithm</a:t>
+            </a:r>
+            <a:r>
+              <a:rPr lang="en-US" dirty="0"/>
+              <a:t>. </a:t>
+            </a:r>
+          </a:p>
+          <a:p>
+            <a:pPr lvl="1"/>
+            <a:r>
+              <a:rPr lang="en-US" dirty="0"/>
+              <a:t>Both are greedy algorithms that are also optimal.</a:t>
+            </a:r>
+          </a:p>
+        </p:txBody>
+      </p:sp>
+    </p:spTree>
+    <p:extLst>
+      <p:ext uri="{BB962C8B-B14F-4D97-AF65-F5344CB8AC3E}">
+        <p14:creationId xmlns:p14="http://schemas.microsoft.com/office/powerpoint/2010/main" val="1366044700"/>
+      </p:ext>
+    </p:extLst>
+  </p:cSld>
+  <p:clrMapOvr>
+    <a:masterClrMapping/>
+  </p:clrMapOvr>
+  <p:timing>
+    <p:tnLst>
+      <p:par>
+        <p:cTn id="1" dur="indefinite" restart="never" nodeType="tmRoot">
+          <p:childTnLst>
+            <p:seq concurrent="1" nextAc="seek">
+              <p:cTn id="2" dur="indefinite" nodeType="mainSeq">
+                <p:childTnLst>
+                  <p:par>
+                    <p:cTn id="3" fill="hold">
+                      <p:stCondLst>
+                        <p:cond delay="indefinite"/>
+                      </p:stCondLst>
+                      <p:childTnLst>
+                        <p:par>
+                          <p:cTn id="4" fill="hold">
+                            <p:stCondLst>
+                              <p:cond delay="0"/>
+                            </p:stCondLst>
+                            <p:childTnLst>
+                              <p:par>
+                                <p:cTn id="5" presetID="9" presetClass="entr" presetSubtype="0" fill="hold" nodeType="clickEffect">
+                                  <p:stCondLst>
+                                    <p:cond delay="0"/>
+                                  </p:stCondLst>
+                                  <p:childTnLst>
+                                    <p:set>
+                                      <p:cBhvr>
+                                        <p:cTn id="6" dur="1" fill="hold">
+                                          <p:stCondLst>
+                                            <p:cond delay="0"/>
+                                          </p:stCondLst>
+                                        </p:cTn>
+                                        <p:tgtEl>
+                                          <p:spTgt spid="4">
+                                            <p:txEl>
+                                              <p:pRg st="0" end="0"/>
+                                            </p:txEl>
+                                          </p:spTgt>
+                                        </p:tgtEl>
+                                        <p:attrNameLst>
+                                          <p:attrName>style.visibility</p:attrName>
+                                        </p:attrNameLst>
+                                      </p:cBhvr>
+                                      <p:to>
+                                        <p:strVal val="visible"/>
+                                      </p:to>
+                                    </p:set>
+                                    <p:animEffect transition="in" filter="dissolve">
+                                      <p:cBhvr>
+                                        <p:cTn id="7" dur="500"/>
+                                        <p:tgtEl>
+                                          <p:spTgt spid="4">
+                                            <p:txEl>
+                                              <p:pRg st="0" end="0"/>
+                                            </p:txEl>
+                                          </p:spTgt>
+                                        </p:tgtEl>
+                                      </p:cBhvr>
+                                    </p:animEffect>
+                                  </p:childTnLst>
+                                </p:cTn>
+                              </p:par>
+                            </p:childTnLst>
+                          </p:cTn>
+                        </p:par>
+                      </p:childTnLst>
+                    </p:cTn>
+                  </p:par>
+                  <p:par>
+                    <p:cTn id="8" fill="hold">
+                      <p:stCondLst>
+                        <p:cond delay="indefinite"/>
+                      </p:stCondLst>
+                      <p:childTnLst>
+                        <p:par>
+                          <p:cTn id="9" fill="hold">
+                            <p:stCondLst>
+                              <p:cond delay="0"/>
+                            </p:stCondLst>
+                            <p:childTnLst>
+                              <p:par>
+                                <p:cTn id="10" presetID="9" presetClass="entr" presetSubtype="0" fill="hold" nodeType="clickEffect">
+                                  <p:stCondLst>
+                                    <p:cond delay="0"/>
+                                  </p:stCondLst>
+                                  <p:childTnLst>
+                                    <p:set>
+                                      <p:cBhvr>
+                                        <p:cTn id="11" dur="1" fill="hold">
+                                          <p:stCondLst>
+                                            <p:cond delay="0"/>
+                                          </p:stCondLst>
+                                        </p:cTn>
+                                        <p:tgtEl>
+                                          <p:spTgt spid="4">
+                                            <p:txEl>
+                                              <p:pRg st="1" end="1"/>
+                                            </p:txEl>
+                                          </p:spTgt>
+                                        </p:tgtEl>
+                                        <p:attrNameLst>
+                                          <p:attrName>style.visibility</p:attrName>
+                                        </p:attrNameLst>
+                                      </p:cBhvr>
+                                      <p:to>
+                                        <p:strVal val="visible"/>
+                                      </p:to>
+                                    </p:set>
+                                    <p:animEffect transition="in" filter="dissolve">
+                                      <p:cBhvr>
+                                        <p:cTn id="12" dur="500"/>
+                                        <p:tgtEl>
+                                          <p:spTgt spid="4">
+                                            <p:txEl>
+                                              <p:pRg st="1" end="1"/>
+                                            </p:txEl>
+                                          </p:spTgt>
+                                        </p:tgtEl>
+                                      </p:cBhvr>
+                                    </p:animEffect>
+                                  </p:childTnLst>
+                                </p:cTn>
+                              </p:par>
+                            </p:childTnLst>
+                          </p:cTn>
+                        </p:par>
+                      </p:childTnLst>
+                    </p:cTn>
+                  </p:par>
+                  <p:par>
+                    <p:cTn id="13" fill="hold">
+                      <p:stCondLst>
+                        <p:cond delay="indefinite"/>
+                      </p:stCondLst>
+                      <p:childTnLst>
+                        <p:par>
+                          <p:cTn id="14" fill="hold">
+                            <p:stCondLst>
+                              <p:cond delay="0"/>
+                            </p:stCondLst>
+                            <p:childTnLst>
+                              <p:par>
+                                <p:cTn id="15" presetID="9" presetClass="entr" presetSubtype="0" fill="hold" nodeType="clickEffect">
+                                  <p:stCondLst>
+                                    <p:cond delay="0"/>
+                                  </p:stCondLst>
+                                  <p:childTnLst>
+                                    <p:set>
+                                      <p:cBhvr>
+                                        <p:cTn id="16" dur="1" fill="hold">
+                                          <p:stCondLst>
+                                            <p:cond delay="0"/>
+                                          </p:stCondLst>
+                                        </p:cTn>
+                                        <p:tgtEl>
+                                          <p:spTgt spid="4">
+                                            <p:txEl>
+                                              <p:pRg st="2" end="2"/>
+                                            </p:txEl>
+                                          </p:spTgt>
+                                        </p:tgtEl>
+                                        <p:attrNameLst>
+                                          <p:attrName>style.visibility</p:attrName>
+                                        </p:attrNameLst>
+                                      </p:cBhvr>
+                                      <p:to>
+                                        <p:strVal val="visible"/>
+                                      </p:to>
+                                    </p:set>
+                                    <p:animEffect transition="in" filter="dissolve">
+                                      <p:cBhvr>
+                                        <p:cTn id="17" dur="500"/>
+                                        <p:tgtEl>
+                                          <p:spTgt spid="4">
+                                            <p:txEl>
+                                              <p:pRg st="2" end="2"/>
+                                            </p:txEl>
+                                          </p:spTgt>
+                                        </p:tgtEl>
+                                      </p:cBhvr>
+                                    </p:animEffect>
+                                  </p:childTnLst>
+                                </p:cTn>
+                              </p:par>
+                            </p:childTnLst>
+                          </p:cTn>
+                        </p:par>
+                      </p:childTnLst>
+                    </p:cTn>
+                  </p:par>
+                </p:childTnLst>
+              </p:cTn>
+              <p:prevCondLst>
+                <p:cond evt="onPrev" delay="0">
+                  <p:tgtEl>
+                    <p:sldTgt/>
+                  </p:tgtEl>
+                </p:cond>
+              </p:prevCondLst>
+              <p:nextCondLst>
+                <p:cond evt="onNext" delay="0">
+                  <p:tgtEl>
+                    <p:sldTgt/>
+                  </p:tgtEl>
+                </p:cond>
+              </p:nextCondLst>
+            </p:seq>
+          </p:childTnLst>
+        </p:cTn>
+      </p:par>
+    </p:tnLst>
+  </p:timing>
+</p:sld>
+</file>
+
+<file path=ppt/slides/slide20.xml><?xml version="1.0" encoding="utf-8"?>
 <p:sld xmlns:a="http://schemas.openxmlformats.org/drawingml/2006/main" xmlns:r="http://schemas.openxmlformats.org/officeDocument/2006/relationships" xmlns:p="http://schemas.openxmlformats.org/presentationml/2006/main">
   <p:cSld>
     <p:spTree>
@@ -11480,7 +12340,7 @@
 </p:sld>
 </file>
 
-<file path=ppt/slides/slide19.xml><?xml version="1.0" encoding="utf-8"?>
+<file path=ppt/slides/slide21.xml><?xml version="1.0" encoding="utf-8"?>
 <p:sld xmlns:a="http://schemas.openxmlformats.org/drawingml/2006/main" xmlns:r="http://schemas.openxmlformats.org/officeDocument/2006/relationships" xmlns:p="http://schemas.openxmlformats.org/presentationml/2006/main">
   <p:cSld>
     <p:spTree>
@@ -12561,363 +13421,7 @@
 </p:sld>
 </file>
 
-<file path=ppt/slides/slide2.xml><?xml version="1.0" encoding="utf-8"?>
-<p:sld xmlns:a="http://schemas.openxmlformats.org/drawingml/2006/main" xmlns:r="http://schemas.openxmlformats.org/officeDocument/2006/relationships" xmlns:p="http://schemas.openxmlformats.org/presentationml/2006/main">
-  <p:cSld>
-    <p:spTree>
-      <p:nvGrpSpPr>
-        <p:cNvPr id="1" name=""/>
-        <p:cNvGrpSpPr/>
-        <p:nvPr/>
-      </p:nvGrpSpPr>
-      <p:grpSpPr>
-        <a:xfrm>
-          <a:off x="0" y="0"/>
-          <a:ext cx="0" cy="0"/>
-          <a:chOff x="0" y="0"/>
-          <a:chExt cx="0" cy="0"/>
-        </a:xfrm>
-      </p:grpSpPr>
-      <p:sp>
-        <p:nvSpPr>
-          <p:cNvPr id="2" name="Title 1"/>
-          <p:cNvSpPr>
-            <a:spLocks noGrp="1"/>
-          </p:cNvSpPr>
-          <p:nvPr>
-            <p:ph type="title"/>
-          </p:nvPr>
-        </p:nvSpPr>
-        <p:spPr/>
-        <p:txBody>
-          <a:bodyPr/>
-          <a:lstStyle/>
-          <a:p>
-            <a:r>
-              <a:rPr lang="en-US"/>
-              <a:t>Lecture</a:t>
-            </a:r>
-            <a:r>
-              <a:rPr lang="zh-CN" altLang="en-US"/>
-              <a:t> </a:t>
-            </a:r>
-            <a:r>
-              <a:rPr lang="en-US" altLang="zh-CN"/>
-              <a:t>Goals</a:t>
-            </a:r>
-            <a:endParaRPr lang="en-US"/>
-          </a:p>
-        </p:txBody>
-      </p:sp>
-      <p:sp>
-        <p:nvSpPr>
-          <p:cNvPr id="4" name="Content Placeholder 3"/>
-          <p:cNvSpPr>
-            <a:spLocks noGrp="1"/>
-          </p:cNvSpPr>
-          <p:nvPr>
-            <p:ph idx="1"/>
-          </p:nvPr>
-        </p:nvSpPr>
-        <p:spPr>
-          <a:xfrm>
-            <a:off x="457200" y="1417637"/>
-            <a:ext cx="8229600" cy="5149417"/>
-          </a:xfrm>
-        </p:spPr>
-        <p:txBody>
-          <a:bodyPr>
-            <a:noAutofit/>
-          </a:bodyPr>
-          <a:lstStyle/>
-          <a:p>
-            <a:r>
-              <a:rPr lang="en-US" dirty="0"/>
-              <a:t>In this lecture we study the </a:t>
-            </a:r>
-            <a:r>
-              <a:rPr lang="en-US" dirty="0">
-                <a:solidFill>
-                  <a:schemeClr val="accent1"/>
-                </a:solidFill>
-              </a:rPr>
-              <a:t>minimum spanning tree </a:t>
-            </a:r>
-            <a:r>
-              <a:rPr lang="en-US" dirty="0"/>
-              <a:t>problem. </a:t>
-            </a:r>
-          </a:p>
-          <a:p>
-            <a:r>
-              <a:rPr lang="en-US" altLang="zh-CN" dirty="0"/>
-              <a:t>We </a:t>
-            </a:r>
-            <a:r>
-              <a:rPr lang="en-US" dirty="0"/>
-              <a:t>consider two classic algorithm for the problem—</a:t>
-            </a:r>
-            <a:r>
-              <a:rPr lang="en-US" dirty="0">
-                <a:solidFill>
-                  <a:schemeClr val="accent6"/>
-                </a:solidFill>
-              </a:rPr>
-              <a:t>Kruskal's algorithm</a:t>
-            </a:r>
-            <a:r>
-              <a:rPr lang="en-US" dirty="0"/>
-              <a:t> and </a:t>
-            </a:r>
-            <a:r>
-              <a:rPr lang="en-US" dirty="0">
-                <a:solidFill>
-                  <a:schemeClr val="accent6"/>
-                </a:solidFill>
-              </a:rPr>
-              <a:t>Prim's algorithm</a:t>
-            </a:r>
-            <a:r>
-              <a:rPr lang="en-US" dirty="0"/>
-              <a:t>. </a:t>
-            </a:r>
-          </a:p>
-          <a:p>
-            <a:pPr lvl="1"/>
-            <a:r>
-              <a:rPr lang="en-US" dirty="0"/>
-              <a:t>Both are greedy algorithms that are also optimal.</a:t>
-            </a:r>
-          </a:p>
-        </p:txBody>
-      </p:sp>
-    </p:spTree>
-    <p:extLst>
-      <p:ext uri="{BB962C8B-B14F-4D97-AF65-F5344CB8AC3E}">
-        <p14:creationId xmlns:p14="http://schemas.microsoft.com/office/powerpoint/2010/main" val="1366044700"/>
-      </p:ext>
-    </p:extLst>
-  </p:cSld>
-  <p:clrMapOvr>
-    <a:masterClrMapping/>
-  </p:clrMapOvr>
-  <p:timing>
-    <p:tnLst>
-      <p:par>
-        <p:cTn id="1" dur="indefinite" restart="never" nodeType="tmRoot">
-          <p:childTnLst>
-            <p:seq concurrent="1" nextAc="seek">
-              <p:cTn id="2" dur="indefinite" nodeType="mainSeq">
-                <p:childTnLst>
-                  <p:par>
-                    <p:cTn id="3" fill="hold">
-                      <p:stCondLst>
-                        <p:cond delay="indefinite"/>
-                      </p:stCondLst>
-                      <p:childTnLst>
-                        <p:par>
-                          <p:cTn id="4" fill="hold">
-                            <p:stCondLst>
-                              <p:cond delay="0"/>
-                            </p:stCondLst>
-                            <p:childTnLst>
-                              <p:par>
-                                <p:cTn id="5" presetID="9" presetClass="entr" presetSubtype="0" fill="hold" nodeType="clickEffect">
-                                  <p:stCondLst>
-                                    <p:cond delay="0"/>
-                                  </p:stCondLst>
-                                  <p:childTnLst>
-                                    <p:set>
-                                      <p:cBhvr>
-                                        <p:cTn id="6" dur="1" fill="hold">
-                                          <p:stCondLst>
-                                            <p:cond delay="0"/>
-                                          </p:stCondLst>
-                                        </p:cTn>
-                                        <p:tgtEl>
-                                          <p:spTgt spid="4">
-                                            <p:txEl>
-                                              <p:pRg st="0" end="0"/>
-                                            </p:txEl>
-                                          </p:spTgt>
-                                        </p:tgtEl>
-                                        <p:attrNameLst>
-                                          <p:attrName>style.visibility</p:attrName>
-                                        </p:attrNameLst>
-                                      </p:cBhvr>
-                                      <p:to>
-                                        <p:strVal val="visible"/>
-                                      </p:to>
-                                    </p:set>
-                                    <p:animEffect transition="in" filter="dissolve">
-                                      <p:cBhvr>
-                                        <p:cTn id="7" dur="500"/>
-                                        <p:tgtEl>
-                                          <p:spTgt spid="4">
-                                            <p:txEl>
-                                              <p:pRg st="0" end="0"/>
-                                            </p:txEl>
-                                          </p:spTgt>
-                                        </p:tgtEl>
-                                      </p:cBhvr>
-                                    </p:animEffect>
-                                  </p:childTnLst>
-                                </p:cTn>
-                              </p:par>
-                            </p:childTnLst>
-                          </p:cTn>
-                        </p:par>
-                      </p:childTnLst>
-                    </p:cTn>
-                  </p:par>
-                  <p:par>
-                    <p:cTn id="8" fill="hold">
-                      <p:stCondLst>
-                        <p:cond delay="indefinite"/>
-                      </p:stCondLst>
-                      <p:childTnLst>
-                        <p:par>
-                          <p:cTn id="9" fill="hold">
-                            <p:stCondLst>
-                              <p:cond delay="0"/>
-                            </p:stCondLst>
-                            <p:childTnLst>
-                              <p:par>
-                                <p:cTn id="10" presetID="9" presetClass="entr" presetSubtype="0" fill="hold" nodeType="clickEffect">
-                                  <p:stCondLst>
-                                    <p:cond delay="0"/>
-                                  </p:stCondLst>
-                                  <p:childTnLst>
-                                    <p:set>
-                                      <p:cBhvr>
-                                        <p:cTn id="11" dur="1" fill="hold">
-                                          <p:stCondLst>
-                                            <p:cond delay="0"/>
-                                          </p:stCondLst>
-                                        </p:cTn>
-                                        <p:tgtEl>
-                                          <p:spTgt spid="4">
-                                            <p:txEl>
-                                              <p:pRg st="1" end="1"/>
-                                            </p:txEl>
-                                          </p:spTgt>
-                                        </p:tgtEl>
-                                        <p:attrNameLst>
-                                          <p:attrName>style.visibility</p:attrName>
-                                        </p:attrNameLst>
-                                      </p:cBhvr>
-                                      <p:to>
-                                        <p:strVal val="visible"/>
-                                      </p:to>
-                                    </p:set>
-                                    <p:animEffect transition="in" filter="dissolve">
-                                      <p:cBhvr>
-                                        <p:cTn id="12" dur="500"/>
-                                        <p:tgtEl>
-                                          <p:spTgt spid="4">
-                                            <p:txEl>
-                                              <p:pRg st="1" end="1"/>
-                                            </p:txEl>
-                                          </p:spTgt>
-                                        </p:tgtEl>
-                                      </p:cBhvr>
-                                    </p:animEffect>
-                                  </p:childTnLst>
-                                </p:cTn>
-                              </p:par>
-                            </p:childTnLst>
-                          </p:cTn>
-                        </p:par>
-                      </p:childTnLst>
-                    </p:cTn>
-                  </p:par>
-                  <p:par>
-                    <p:cTn id="13" fill="hold">
-                      <p:stCondLst>
-                        <p:cond delay="indefinite"/>
-                      </p:stCondLst>
-                      <p:childTnLst>
-                        <p:par>
-                          <p:cTn id="14" fill="hold">
-                            <p:stCondLst>
-                              <p:cond delay="0"/>
-                            </p:stCondLst>
-                            <p:childTnLst>
-                              <p:par>
-                                <p:cTn id="15" presetID="9" presetClass="entr" presetSubtype="0" fill="hold" nodeType="clickEffect">
-                                  <p:stCondLst>
-                                    <p:cond delay="0"/>
-                                  </p:stCondLst>
-                                  <p:childTnLst>
-                                    <p:set>
-                                      <p:cBhvr>
-                                        <p:cTn id="16" dur="1" fill="hold">
-                                          <p:stCondLst>
-                                            <p:cond delay="0"/>
-                                          </p:stCondLst>
-                                        </p:cTn>
-                                        <p:tgtEl>
-                                          <p:spTgt spid="4">
-                                            <p:txEl>
-                                              <p:pRg st="2" end="2"/>
-                                            </p:txEl>
-                                          </p:spTgt>
-                                        </p:tgtEl>
-                                        <p:attrNameLst>
-                                          <p:attrName>style.visibility</p:attrName>
-                                        </p:attrNameLst>
-                                      </p:cBhvr>
-                                      <p:to>
-                                        <p:strVal val="visible"/>
-                                      </p:to>
-                                    </p:set>
-                                    <p:animEffect transition="in" filter="dissolve">
-                                      <p:cBhvr>
-                                        <p:cTn id="17" dur="500"/>
-                                        <p:tgtEl>
-                                          <p:spTgt spid="4">
-                                            <p:txEl>
-                                              <p:pRg st="2" end="2"/>
-                                            </p:txEl>
-                                          </p:spTgt>
-                                        </p:tgtEl>
-                                      </p:cBhvr>
-                                    </p:animEffect>
-                                  </p:childTnLst>
-                                </p:cTn>
-                              </p:par>
-                            </p:childTnLst>
-                          </p:cTn>
-                        </p:par>
-                      </p:childTnLst>
-                    </p:cTn>
-                  </p:par>
-                </p:childTnLst>
-              </p:cTn>
-              <p:prevCondLst>
-                <p:cond evt="onPrev" delay="0">
-                  <p:tgtEl>
-                    <p:sldTgt/>
-                  </p:tgtEl>
-                </p:cond>
-              </p:prevCondLst>
-              <p:nextCondLst>
-                <p:cond evt="onNext" delay="0">
-                  <p:tgtEl>
-                    <p:sldTgt/>
-                  </p:tgtEl>
-                </p:cond>
-              </p:nextCondLst>
-            </p:seq>
-          </p:childTnLst>
-        </p:cTn>
-      </p:par>
-    </p:tnLst>
-  </p:timing>
-</p:sld>
-</file>
-
-<file path=ppt/slides/slide20.xml><?xml version="1.0" encoding="utf-8"?>
+<file path=ppt/slides/slide22.xml><?xml version="1.0" encoding="utf-8"?>
 <p:sld xmlns:a="http://schemas.openxmlformats.org/drawingml/2006/main" xmlns:r="http://schemas.openxmlformats.org/officeDocument/2006/relationships" xmlns:p="http://schemas.openxmlformats.org/presentationml/2006/main">
   <p:cSld>
     <p:spTree>
@@ -13225,7 +13729,7 @@
 </p:sld>
 </file>
 
-<file path=ppt/slides/slide21.xml><?xml version="1.0" encoding="utf-8"?>
+<file path=ppt/slides/slide23.xml><?xml version="1.0" encoding="utf-8"?>
 <p:sld xmlns:a="http://schemas.openxmlformats.org/drawingml/2006/main" xmlns:r="http://schemas.openxmlformats.org/officeDocument/2006/relationships" xmlns:p="http://schemas.openxmlformats.org/presentationml/2006/main">
   <p:cSld>
     <p:spTree>
@@ -21065,7 +21569,7 @@
 </p:sld>
 </file>
 
-<file path=ppt/slides/slide22.xml><?xml version="1.0" encoding="utf-8"?>
+<file path=ppt/slides/slide24.xml><?xml version="1.0" encoding="utf-8"?>
 <p:sld xmlns:a="http://schemas.openxmlformats.org/drawingml/2006/main" xmlns:r="http://schemas.openxmlformats.org/officeDocument/2006/relationships" xmlns:p="http://schemas.openxmlformats.org/presentationml/2006/main">
   <p:cSld>
     <p:spTree>
@@ -21439,7 +21943,7 @@
 </p:sld>
 </file>
 
-<file path=ppt/slides/slide23.xml><?xml version="1.0" encoding="utf-8"?>
+<file path=ppt/slides/slide25.xml><?xml version="1.0" encoding="utf-8"?>
 <p:sld xmlns:a="http://schemas.openxmlformats.org/drawingml/2006/main" xmlns:r="http://schemas.openxmlformats.org/officeDocument/2006/relationships" xmlns:p="http://schemas.openxmlformats.org/presentationml/2006/main">
   <p:cSld>
     <p:spTree>
@@ -22441,7 +22945,7 @@
               </a:rPr>
               <a:t>l</a:t>
             </a:r>
-            <a:endParaRPr sz="1547">
+            <a:endParaRPr sz="1547" dirty="0">
               <a:latin typeface="DejaVu Sans"/>
               <a:cs typeface="DejaVu Sans"/>
             </a:endParaRPr>
@@ -23415,7 +23919,7 @@
 </p:sld>
 </file>
 
-<file path=ppt/slides/slide24.xml><?xml version="1.0" encoding="utf-8"?>
+<file path=ppt/slides/slide26.xml><?xml version="1.0" encoding="utf-8"?>
 <p:sld xmlns:a="http://schemas.openxmlformats.org/drawingml/2006/main" xmlns:r="http://schemas.openxmlformats.org/officeDocument/2006/relationships" xmlns:p="http://schemas.openxmlformats.org/presentationml/2006/main">
   <p:cSld>
     <p:spTree>
@@ -33097,7 +33601,7 @@
           <p:cNvPr id="2" name="Title 1">
             <a:extLst>
               <a:ext uri="{FF2B5EF4-FFF2-40B4-BE49-F238E27FC236}">
-                <a16:creationId xmlns:a16="http://schemas.microsoft.com/office/drawing/2014/main" id="{C3385F50-9162-3D0F-1363-653AEA76B7E8}"/>
+                <a16:creationId xmlns:a16="http://schemas.microsoft.com/office/drawing/2014/main" id="{D49EC89C-E3AA-121C-7ED3-E27CB50A7A3F}"/>
               </a:ext>
             </a:extLst>
           </p:cNvPr>
@@ -33115,7 +33619,7 @@
           <a:p>
             <a:r>
               <a:rPr lang="en-GB" dirty="0"/>
-              <a:t>Prim’s Algorithm Example 1</a:t>
+              <a:t>Time Complexity of Prim’s Algorithm</a:t>
             </a:r>
             <a:endParaRPr lang="en-SE" dirty="0"/>
           </a:p>
@@ -33126,7 +33630,7 @@
           <p:cNvPr id="3" name="Content Placeholder 2">
             <a:extLst>
               <a:ext uri="{FF2B5EF4-FFF2-40B4-BE49-F238E27FC236}">
-                <a16:creationId xmlns:a16="http://schemas.microsoft.com/office/drawing/2014/main" id="{27E3135A-374D-D93B-09E8-81FA459CFE18}"/>
+                <a16:creationId xmlns:a16="http://schemas.microsoft.com/office/drawing/2014/main" id="{6647F2A4-7CCD-2FA3-76F0-6BBE1373DF2B}"/>
               </a:ext>
             </a:extLst>
           </p:cNvPr>
@@ -33139,64 +33643,238 @@
         </p:nvSpPr>
         <p:spPr/>
         <p:txBody>
-          <a:bodyPr/>
+          <a:bodyPr>
+            <a:normAutofit fontScale="92500" lnSpcReduction="20000"/>
+          </a:bodyPr>
           <a:lstStyle/>
           <a:p>
-            <a:endParaRPr lang="en-SE"/>
+            <a:pPr algn="l"/>
+            <a:r>
+              <a:rPr lang="en-GB" b="0" i="0" dirty="0">
+                <a:effectLst/>
+                <a:latin typeface="var(--font-fk-grotesk)"/>
+              </a:rPr>
+              <a:t>Time complexity of Prim’s algorithm depends on the implementation of the priority queue for finding the minimum weight edge.</a:t>
+            </a:r>
+          </a:p>
+          <a:p>
+            <a:pPr algn="l"/>
+            <a:r>
+              <a:rPr lang="en-GB" b="0" i="0" dirty="0">
+                <a:effectLst/>
+                <a:latin typeface="var(--font-fk-grotesk)"/>
+              </a:rPr>
+              <a:t>1. Using an Adjacency Matrix</a:t>
+            </a:r>
+          </a:p>
+          <a:p>
+            <a:pPr lvl="1">
+              <a:buFont typeface="Arial" panose="020B0604020202020204" pitchFamily="34" charset="0"/>
+              <a:buChar char="•"/>
+            </a:pPr>
+            <a:r>
+              <a:rPr lang="en-GB" b="0" i="0" dirty="0">
+                <a:effectLst/>
+                <a:latin typeface="__fkGroteskNeue_598ab8"/>
+              </a:rPr>
+              <a:t>Priority Queue: Simple linear search for the minimum edge.</a:t>
+            </a:r>
+          </a:p>
+          <a:p>
+            <a:pPr lvl="1">
+              <a:buFont typeface="Arial" panose="020B0604020202020204" pitchFamily="34" charset="0"/>
+              <a:buChar char="•"/>
+            </a:pPr>
+            <a:r>
+              <a:rPr lang="en-GB" b="0" i="0" dirty="0">
+                <a:effectLst/>
+                <a:latin typeface="__fkGroteskNeue_598ab8"/>
+              </a:rPr>
+              <a:t>Time Complexity: </a:t>
+            </a:r>
+            <a:r>
+              <a:rPr lang="en-GB" b="0" i="0" dirty="0">
+                <a:effectLst/>
+                <a:latin typeface="KaTeX_Main"/>
+              </a:rPr>
+              <a:t>O(V</a:t>
+            </a:r>
+            <a:r>
+              <a:rPr lang="en-GB" b="0" i="0" baseline="30000" dirty="0">
+                <a:effectLst/>
+                <a:latin typeface="KaTeX_Main"/>
+              </a:rPr>
+              <a:t>2</a:t>
+            </a:r>
+            <a:r>
+              <a:rPr lang="en-GB" b="0" i="0" dirty="0">
+                <a:effectLst/>
+                <a:latin typeface="KaTeX_Main"/>
+              </a:rPr>
+              <a:t>)</a:t>
+            </a:r>
+            <a:r>
+              <a:rPr lang="en-GB" b="0" i="0" dirty="0">
+                <a:effectLst/>
+                <a:latin typeface="__fkGroteskNeue_598ab8"/>
+              </a:rPr>
+              <a:t>. This is because finding the minimum edge in each iteration takes </a:t>
+            </a:r>
+            <a:r>
+              <a:rPr lang="en-GB" b="0" i="0" dirty="0">
+                <a:effectLst/>
+                <a:latin typeface="KaTeX_Main"/>
+              </a:rPr>
+              <a:t>O(V)</a:t>
+            </a:r>
+            <a:r>
+              <a:rPr lang="en-GB" b="0" i="0" dirty="0">
+                <a:effectLst/>
+                <a:latin typeface="__fkGroteskNeue_598ab8"/>
+              </a:rPr>
+              <a:t>, and this is done </a:t>
+            </a:r>
+            <a:r>
+              <a:rPr lang="en-GB" b="0" i="0" dirty="0">
+                <a:effectLst/>
+                <a:latin typeface="KaTeX_Main"/>
+              </a:rPr>
+              <a:t>V</a:t>
+            </a:r>
+            <a:r>
+              <a:rPr lang="en-GB" b="0" i="0" dirty="0">
+                <a:effectLst/>
+                <a:latin typeface="__fkGroteskNeue_598ab8"/>
+              </a:rPr>
+              <a:t> times.</a:t>
+            </a:r>
+          </a:p>
+          <a:p>
+            <a:pPr algn="l"/>
+            <a:r>
+              <a:rPr lang="en-GB" b="0" i="0" dirty="0">
+                <a:effectLst/>
+                <a:latin typeface="var(--font-fk-grotesk)"/>
+              </a:rPr>
+              <a:t>2. Using an Adjacency List with a Binary Heap</a:t>
+            </a:r>
+          </a:p>
+          <a:p>
+            <a:pPr lvl="1">
+              <a:buFont typeface="Arial" panose="020B0604020202020204" pitchFamily="34" charset="0"/>
+              <a:buChar char="•"/>
+            </a:pPr>
+            <a:r>
+              <a:rPr lang="en-GB" b="0" i="0" dirty="0">
+                <a:effectLst/>
+                <a:latin typeface="__fkGroteskNeue_598ab8"/>
+              </a:rPr>
+              <a:t>Priority Queue: Binary heap for efficient minimum edge extraction and key updates.</a:t>
+            </a:r>
+          </a:p>
+          <a:p>
+            <a:pPr lvl="1">
+              <a:buFont typeface="Arial" panose="020B0604020202020204" pitchFamily="34" charset="0"/>
+              <a:buChar char="•"/>
+            </a:pPr>
+            <a:r>
+              <a:rPr lang="en-GB" b="0" i="0" dirty="0">
+                <a:effectLst/>
+                <a:latin typeface="__fkGroteskNeue_598ab8"/>
+              </a:rPr>
+              <a:t>Time Complexity: </a:t>
+            </a:r>
+            <a:r>
+              <a:rPr lang="en-GB" b="0" i="0" dirty="0">
+                <a:effectLst/>
+                <a:latin typeface="KaTeX_Main"/>
+              </a:rPr>
+              <a:t>O((V+E) log ⁡V)</a:t>
+            </a:r>
+            <a:r>
+              <a:rPr lang="en-GB" b="0" i="0" dirty="0">
+                <a:effectLst/>
+                <a:latin typeface="__fkGroteskNeue_598ab8"/>
+              </a:rPr>
+              <a:t>, where </a:t>
+            </a:r>
+            <a:r>
+              <a:rPr lang="en-GB" b="0" i="0" dirty="0">
+                <a:effectLst/>
+                <a:latin typeface="KaTeX_Main"/>
+              </a:rPr>
+              <a:t>E</a:t>
+            </a:r>
+            <a:r>
+              <a:rPr lang="en-GB" b="0" i="0" dirty="0">
+                <a:effectLst/>
+                <a:latin typeface="__fkGroteskNeue_598ab8"/>
+              </a:rPr>
+              <a:t> is the number of edges. </a:t>
+            </a:r>
+          </a:p>
+          <a:p>
+            <a:pPr>
+              <a:buFont typeface="Arial" panose="020B0604020202020204" pitchFamily="34" charset="0"/>
+              <a:buChar char="•"/>
+            </a:pPr>
+            <a:r>
+              <a:rPr lang="en-GB" b="0" i="0" dirty="0">
+                <a:effectLst/>
+                <a:latin typeface="var(--font-fk-grotesk)"/>
+              </a:rPr>
+              <a:t>3. Using an Adjacency List with a Fibonacci Heap</a:t>
+            </a:r>
+          </a:p>
+          <a:p>
+            <a:pPr lvl="1">
+              <a:buFont typeface="Arial" panose="020B0604020202020204" pitchFamily="34" charset="0"/>
+              <a:buChar char="•"/>
+            </a:pPr>
+            <a:r>
+              <a:rPr lang="en-GB" b="0" i="0" dirty="0">
+                <a:effectLst/>
+                <a:latin typeface="__fkGroteskNeue_598ab8"/>
+              </a:rPr>
+              <a:t>Priority Queue: Fibonacci heap for faster decrease-key operations.</a:t>
+            </a:r>
+          </a:p>
+          <a:p>
+            <a:pPr lvl="1">
+              <a:buFont typeface="Arial" panose="020B0604020202020204" pitchFamily="34" charset="0"/>
+              <a:buChar char="•"/>
+            </a:pPr>
+            <a:r>
+              <a:rPr lang="en-GB" b="0" i="0" dirty="0">
+                <a:effectLst/>
+                <a:latin typeface="__fkGroteskNeue_598ab8"/>
+              </a:rPr>
+              <a:t>Time Complexity: </a:t>
+            </a:r>
+            <a:r>
+              <a:rPr lang="en-GB" b="0" i="0" dirty="0">
+                <a:effectLst/>
+                <a:latin typeface="KaTeX_Main"/>
+              </a:rPr>
+              <a:t>O(E+V log⁡ V)</a:t>
+            </a:r>
+            <a:r>
+              <a:rPr lang="en-GB" b="0" i="0" dirty="0">
+                <a:effectLst/>
+                <a:latin typeface="__fkGroteskNeue_598ab8"/>
+              </a:rPr>
+              <a:t>.</a:t>
+            </a:r>
+          </a:p>
+          <a:p>
+            <a:endParaRPr lang="en-SE" dirty="0"/>
           </a:p>
         </p:txBody>
       </p:sp>
-      <p:pic>
-        <p:nvPicPr>
-          <p:cNvPr id="2050" name="Picture 2" descr="Example of a graph">
-            <a:extLst>
-              <a:ext uri="{FF2B5EF4-FFF2-40B4-BE49-F238E27FC236}">
-                <a16:creationId xmlns:a16="http://schemas.microsoft.com/office/drawing/2014/main" id="{748577C6-CCA1-5764-DFBC-501CA1D2F519}"/>
-              </a:ext>
-            </a:extLst>
-          </p:cNvPr>
-          <p:cNvPicPr>
-            <a:picLocks noChangeAspect="1" noChangeArrowheads="1"/>
-          </p:cNvPicPr>
-          <p:nvPr/>
-        </p:nvPicPr>
-        <p:blipFill>
-          <a:blip r:embed="rId2">
-            <a:extLst>
-              <a:ext uri="{28A0092B-C50C-407E-A947-70E740481C1C}">
-                <a14:useLocalDpi xmlns:a14="http://schemas.microsoft.com/office/drawing/2010/main" val="0"/>
-              </a:ext>
-            </a:extLst>
-          </a:blip>
-          <a:srcRect/>
-          <a:stretch>
-            <a:fillRect/>
-          </a:stretch>
-        </p:blipFill>
-        <p:spPr bwMode="auto">
-          <a:xfrm>
-            <a:off x="707000" y="1758156"/>
-            <a:ext cx="7530365" cy="4368007"/>
-          </a:xfrm>
-          <a:prstGeom prst="rect">
-            <a:avLst/>
-          </a:prstGeom>
-          <a:noFill/>
-          <a:extLst>
-            <a:ext uri="{909E8E84-426E-40DD-AFC4-6F175D3DCCD1}">
-              <a14:hiddenFill xmlns:a14="http://schemas.microsoft.com/office/drawing/2010/main">
-                <a:solidFill>
-                  <a:srgbClr val="FFFFFF"/>
-                </a:solidFill>
-              </a14:hiddenFill>
-            </a:ext>
-          </a:extLst>
-        </p:spPr>
-      </p:pic>
     </p:spTree>
     <p:extLst>
       <p:ext uri="{BB962C8B-B14F-4D97-AF65-F5344CB8AC3E}">
-        <p14:creationId xmlns:p14="http://schemas.microsoft.com/office/powerpoint/2010/main" val="3034190079"/>
+        <p14:creationId xmlns:p14="http://schemas.microsoft.com/office/powerpoint/2010/main" val="715296472"/>
       </p:ext>
     </p:extLst>
   </p:cSld>

--- a/PPTs/Lecture 12-minimum spanning trees.pptx
+++ b/PPTs/Lecture 12-minimum spanning trees.pptx
@@ -233,7 +233,7 @@
           <a:p>
             <a:fld id="{1B0CF57B-C747-FC49-8C8F-81AE37C96CA4}" type="datetimeFigureOut">
               <a:rPr lang="en-US" smtClean="0"/>
-              <a:t>11/24/2024</a:t>
+              <a:t>12/2/2024</a:t>
             </a:fld>
             <a:endParaRPr lang="en-US"/>
           </a:p>
@@ -1567,7 +1567,7 @@
           <a:p>
             <a:fld id="{FB221443-D73C-634A-A910-7320408C156D}" type="datetimeFigureOut">
               <a:rPr lang="en-US" smtClean="0"/>
-              <a:t>11/24/2024</a:t>
+              <a:t>12/2/2024</a:t>
             </a:fld>
             <a:endParaRPr lang="en-US"/>
           </a:p>
@@ -1737,7 +1737,7 @@
           <a:p>
             <a:fld id="{FB221443-D73C-634A-A910-7320408C156D}" type="datetimeFigureOut">
               <a:rPr lang="en-US" smtClean="0"/>
-              <a:t>11/24/2024</a:t>
+              <a:t>12/2/2024</a:t>
             </a:fld>
             <a:endParaRPr lang="en-US"/>
           </a:p>
@@ -1917,7 +1917,7 @@
           <a:p>
             <a:fld id="{FB221443-D73C-634A-A910-7320408C156D}" type="datetimeFigureOut">
               <a:rPr lang="en-US" smtClean="0"/>
-              <a:t>11/24/2024</a:t>
+              <a:t>12/2/2024</a:t>
             </a:fld>
             <a:endParaRPr lang="en-US"/>
           </a:p>
@@ -2087,7 +2087,7 @@
           <a:p>
             <a:fld id="{FB221443-D73C-634A-A910-7320408C156D}" type="datetimeFigureOut">
               <a:rPr lang="en-US" smtClean="0"/>
-              <a:t>11/24/2024</a:t>
+              <a:t>12/2/2024</a:t>
             </a:fld>
             <a:endParaRPr lang="en-US"/>
           </a:p>
@@ -2333,7 +2333,7 @@
           <a:p>
             <a:fld id="{FB221443-D73C-634A-A910-7320408C156D}" type="datetimeFigureOut">
               <a:rPr lang="en-US" smtClean="0"/>
-              <a:t>11/24/2024</a:t>
+              <a:t>12/2/2024</a:t>
             </a:fld>
             <a:endParaRPr lang="en-US"/>
           </a:p>
@@ -2621,7 +2621,7 @@
           <a:p>
             <a:fld id="{FB221443-D73C-634A-A910-7320408C156D}" type="datetimeFigureOut">
               <a:rPr lang="en-US" smtClean="0"/>
-              <a:t>11/24/2024</a:t>
+              <a:t>12/2/2024</a:t>
             </a:fld>
             <a:endParaRPr lang="en-US"/>
           </a:p>
@@ -3043,7 +3043,7 @@
           <a:p>
             <a:fld id="{FB221443-D73C-634A-A910-7320408C156D}" type="datetimeFigureOut">
               <a:rPr lang="en-US" smtClean="0"/>
-              <a:t>11/24/2024</a:t>
+              <a:t>12/2/2024</a:t>
             </a:fld>
             <a:endParaRPr lang="en-US"/>
           </a:p>
@@ -3161,7 +3161,7 @@
           <a:p>
             <a:fld id="{FB221443-D73C-634A-A910-7320408C156D}" type="datetimeFigureOut">
               <a:rPr lang="en-US" smtClean="0"/>
-              <a:t>11/24/2024</a:t>
+              <a:t>12/2/2024</a:t>
             </a:fld>
             <a:endParaRPr lang="en-US"/>
           </a:p>
@@ -3256,7 +3256,7 @@
           <a:p>
             <a:fld id="{FB221443-D73C-634A-A910-7320408C156D}" type="datetimeFigureOut">
               <a:rPr lang="en-US" smtClean="0"/>
-              <a:t>11/24/2024</a:t>
+              <a:t>12/2/2024</a:t>
             </a:fld>
             <a:endParaRPr lang="en-US"/>
           </a:p>
@@ -3533,7 +3533,7 @@
           <a:p>
             <a:fld id="{FB221443-D73C-634A-A910-7320408C156D}" type="datetimeFigureOut">
               <a:rPr lang="en-US" smtClean="0"/>
-              <a:t>11/24/2024</a:t>
+              <a:t>12/2/2024</a:t>
             </a:fld>
             <a:endParaRPr lang="en-US"/>
           </a:p>
@@ -3786,7 +3786,7 @@
           <a:p>
             <a:fld id="{FB221443-D73C-634A-A910-7320408C156D}" type="datetimeFigureOut">
               <a:rPr lang="en-US" smtClean="0"/>
-              <a:t>11/24/2024</a:t>
+              <a:t>12/2/2024</a:t>
             </a:fld>
             <a:endParaRPr lang="en-US"/>
           </a:p>
@@ -3999,7 +3999,7 @@
           <a:p>
             <a:fld id="{FB221443-D73C-634A-A910-7320408C156D}" type="datetimeFigureOut">
               <a:rPr lang="en-US" smtClean="0"/>
-              <a:t>11/24/2024</a:t>
+              <a:t>12/2/2024</a:t>
             </a:fld>
             <a:endParaRPr lang="en-US"/>
           </a:p>
@@ -5023,6 +5023,243 @@
           </a:p>
         </p:txBody>
       </p:sp>
+      <p:cxnSp>
+        <p:nvCxnSpPr>
+          <p:cNvPr id="4" name="Straight Connector 3">
+            <a:extLst>
+              <a:ext uri="{FF2B5EF4-FFF2-40B4-BE49-F238E27FC236}">
+                <a16:creationId xmlns:a16="http://schemas.microsoft.com/office/drawing/2014/main" id="{592F81D1-88EA-F7C6-91F1-C3ED2FA1D960}"/>
+              </a:ext>
+            </a:extLst>
+          </p:cNvPr>
+          <p:cNvCxnSpPr>
+            <a:cxnSpLocks/>
+          </p:cNvCxnSpPr>
+          <p:nvPr/>
+        </p:nvCxnSpPr>
+        <p:spPr>
+          <a:xfrm>
+            <a:off x="780502" y="1750142"/>
+            <a:ext cx="0" cy="1323773"/>
+          </a:xfrm>
+          <a:prstGeom prst="line">
+            <a:avLst/>
+          </a:prstGeom>
+          <a:ln w="28575" cap="flat" cmpd="sng" algn="ctr">
+            <a:solidFill>
+              <a:schemeClr val="accent2"/>
+            </a:solidFill>
+            <a:prstDash val="dash"/>
+            <a:round/>
+            <a:headEnd type="none" w="med" len="med"/>
+            <a:tailEnd type="none" w="med" len="med"/>
+          </a:ln>
+        </p:spPr>
+        <p:style>
+          <a:lnRef idx="0">
+            <a:scrgbClr r="0" g="0" b="0"/>
+          </a:lnRef>
+          <a:fillRef idx="0">
+            <a:scrgbClr r="0" g="0" b="0"/>
+          </a:fillRef>
+          <a:effectRef idx="0">
+            <a:scrgbClr r="0" g="0" b="0"/>
+          </a:effectRef>
+          <a:fontRef idx="minor">
+            <a:schemeClr val="tx1"/>
+          </a:fontRef>
+        </p:style>
+      </p:cxnSp>
+      <p:cxnSp>
+        <p:nvCxnSpPr>
+          <p:cNvPr id="7" name="Straight Connector 6">
+            <a:extLst>
+              <a:ext uri="{FF2B5EF4-FFF2-40B4-BE49-F238E27FC236}">
+                <a16:creationId xmlns:a16="http://schemas.microsoft.com/office/drawing/2014/main" id="{A32C2B52-AA2F-7F2D-B4B1-E8B7C71E7969}"/>
+              </a:ext>
+            </a:extLst>
+          </p:cNvPr>
+          <p:cNvCxnSpPr>
+            <a:cxnSpLocks/>
+          </p:cNvCxnSpPr>
+          <p:nvPr/>
+        </p:nvCxnSpPr>
+        <p:spPr>
+          <a:xfrm flipH="1">
+            <a:off x="5043948" y="1464275"/>
+            <a:ext cx="1641987" cy="1523608"/>
+          </a:xfrm>
+          <a:prstGeom prst="line">
+            <a:avLst/>
+          </a:prstGeom>
+          <a:ln w="28575" cap="flat" cmpd="sng" algn="ctr">
+            <a:solidFill>
+              <a:schemeClr val="accent2"/>
+            </a:solidFill>
+            <a:prstDash val="dash"/>
+            <a:round/>
+            <a:headEnd type="none" w="med" len="med"/>
+            <a:tailEnd type="none" w="med" len="med"/>
+          </a:ln>
+        </p:spPr>
+        <p:style>
+          <a:lnRef idx="0">
+            <a:scrgbClr r="0" g="0" b="0"/>
+          </a:lnRef>
+          <a:fillRef idx="0">
+            <a:scrgbClr r="0" g="0" b="0"/>
+          </a:fillRef>
+          <a:effectRef idx="0">
+            <a:scrgbClr r="0" g="0" b="0"/>
+          </a:effectRef>
+          <a:fontRef idx="minor">
+            <a:schemeClr val="tx1"/>
+          </a:fontRef>
+        </p:style>
+      </p:cxnSp>
+      <p:cxnSp>
+        <p:nvCxnSpPr>
+          <p:cNvPr id="11" name="Straight Connector 10">
+            <a:extLst>
+              <a:ext uri="{FF2B5EF4-FFF2-40B4-BE49-F238E27FC236}">
+                <a16:creationId xmlns:a16="http://schemas.microsoft.com/office/drawing/2014/main" id="{EA147ABD-9248-8726-975A-14C0C3C54536}"/>
+              </a:ext>
+            </a:extLst>
+          </p:cNvPr>
+          <p:cNvCxnSpPr>
+            <a:cxnSpLocks/>
+          </p:cNvCxnSpPr>
+          <p:nvPr/>
+        </p:nvCxnSpPr>
+        <p:spPr>
+          <a:xfrm>
+            <a:off x="1671484" y="4074506"/>
+            <a:ext cx="0" cy="1952668"/>
+          </a:xfrm>
+          <a:prstGeom prst="line">
+            <a:avLst/>
+          </a:prstGeom>
+          <a:ln w="28575" cap="flat" cmpd="sng" algn="ctr">
+            <a:solidFill>
+              <a:schemeClr val="accent2"/>
+            </a:solidFill>
+            <a:prstDash val="dash"/>
+            <a:round/>
+            <a:headEnd type="none" w="med" len="med"/>
+            <a:tailEnd type="none" w="med" len="med"/>
+          </a:ln>
+        </p:spPr>
+        <p:style>
+          <a:lnRef idx="0">
+            <a:scrgbClr r="0" g="0" b="0"/>
+          </a:lnRef>
+          <a:fillRef idx="0">
+            <a:scrgbClr r="0" g="0" b="0"/>
+          </a:fillRef>
+          <a:effectRef idx="0">
+            <a:scrgbClr r="0" g="0" b="0"/>
+          </a:effectRef>
+          <a:fontRef idx="minor">
+            <a:schemeClr val="tx1"/>
+          </a:fontRef>
+        </p:style>
+      </p:cxnSp>
+      <p:cxnSp>
+        <p:nvCxnSpPr>
+          <p:cNvPr id="17" name="Straight Connector 16">
+            <a:extLst>
+              <a:ext uri="{FF2B5EF4-FFF2-40B4-BE49-F238E27FC236}">
+                <a16:creationId xmlns:a16="http://schemas.microsoft.com/office/drawing/2014/main" id="{8C7ADF50-24C0-4CAE-3BB2-C40799326124}"/>
+              </a:ext>
+            </a:extLst>
+          </p:cNvPr>
+          <p:cNvCxnSpPr>
+            <a:cxnSpLocks/>
+          </p:cNvCxnSpPr>
+          <p:nvPr/>
+        </p:nvCxnSpPr>
+        <p:spPr>
+          <a:xfrm>
+            <a:off x="5987845" y="4143332"/>
+            <a:ext cx="1170039" cy="1815016"/>
+          </a:xfrm>
+          <a:prstGeom prst="line">
+            <a:avLst/>
+          </a:prstGeom>
+          <a:ln w="28575" cap="flat" cmpd="sng" algn="ctr">
+            <a:solidFill>
+              <a:schemeClr val="accent2"/>
+            </a:solidFill>
+            <a:prstDash val="dash"/>
+            <a:round/>
+            <a:headEnd type="none" w="med" len="med"/>
+            <a:tailEnd type="none" w="med" len="med"/>
+          </a:ln>
+        </p:spPr>
+        <p:style>
+          <a:lnRef idx="0">
+            <a:scrgbClr r="0" g="0" b="0"/>
+          </a:lnRef>
+          <a:fillRef idx="0">
+            <a:scrgbClr r="0" g="0" b="0"/>
+          </a:fillRef>
+          <a:effectRef idx="0">
+            <a:scrgbClr r="0" g="0" b="0"/>
+          </a:effectRef>
+          <a:fontRef idx="minor">
+            <a:schemeClr val="tx1"/>
+          </a:fontRef>
+        </p:style>
+      </p:cxnSp>
+      <p:sp>
+        <p:nvSpPr>
+          <p:cNvPr id="21" name="TextBox 20">
+            <a:extLst>
+              <a:ext uri="{FF2B5EF4-FFF2-40B4-BE49-F238E27FC236}">
+                <a16:creationId xmlns:a16="http://schemas.microsoft.com/office/drawing/2014/main" id="{1DBDE677-54BC-5269-CF1F-69113058CDED}"/>
+              </a:ext>
+            </a:extLst>
+          </p:cNvPr>
+          <p:cNvSpPr txBox="1"/>
+          <p:nvPr/>
+        </p:nvSpPr>
+        <p:spPr>
+          <a:xfrm>
+            <a:off x="1435510" y="6455035"/>
+            <a:ext cx="6610720" cy="338554"/>
+          </a:xfrm>
+          <a:prstGeom prst="rect">
+            <a:avLst/>
+          </a:prstGeom>
+        </p:spPr>
+        <p:style>
+          <a:lnRef idx="1">
+            <a:schemeClr val="dk1"/>
+          </a:lnRef>
+          <a:fillRef idx="2">
+            <a:schemeClr val="dk1"/>
+          </a:fillRef>
+          <a:effectRef idx="1">
+            <a:schemeClr val="dk1"/>
+          </a:effectRef>
+          <a:fontRef idx="minor">
+            <a:schemeClr val="dk1"/>
+          </a:fontRef>
+        </p:style>
+        <p:txBody>
+          <a:bodyPr wrap="none" rtlCol="0">
+            <a:spAutoFit/>
+          </a:bodyPr>
+          <a:lstStyle/>
+          <a:p>
+            <a:r>
+              <a:rPr lang="en-GB" sz="1600" dirty="0"/>
+              <a:t>Red dotted line denotes the cut between current MST and remaining vertices</a:t>
+            </a:r>
+            <a:endParaRPr lang="en-SE" sz="1600" dirty="0"/>
+          </a:p>
+        </p:txBody>
+      </p:sp>
     </p:spTree>
     <p:extLst>
       <p:ext uri="{BB962C8B-B14F-4D97-AF65-F5344CB8AC3E}">
@@ -5296,6 +5533,302 @@
               <a:t>Steps 5-8</a:t>
             </a:r>
             <a:endParaRPr lang="en-SE" dirty="0"/>
+          </a:p>
+        </p:txBody>
+      </p:sp>
+      <p:cxnSp>
+        <p:nvCxnSpPr>
+          <p:cNvPr id="20" name="Straight Connector 19">
+            <a:extLst>
+              <a:ext uri="{FF2B5EF4-FFF2-40B4-BE49-F238E27FC236}">
+                <a16:creationId xmlns:a16="http://schemas.microsoft.com/office/drawing/2014/main" id="{281811A3-4927-7148-7C34-9F3C9D13E16B}"/>
+              </a:ext>
+            </a:extLst>
+          </p:cNvPr>
+          <p:cNvCxnSpPr>
+            <a:cxnSpLocks/>
+          </p:cNvCxnSpPr>
+          <p:nvPr/>
+        </p:nvCxnSpPr>
+        <p:spPr>
+          <a:xfrm>
+            <a:off x="8184192" y="4345858"/>
+            <a:ext cx="0" cy="1323773"/>
+          </a:xfrm>
+          <a:prstGeom prst="line">
+            <a:avLst/>
+          </a:prstGeom>
+          <a:ln w="28575" cap="flat" cmpd="sng" algn="ctr">
+            <a:solidFill>
+              <a:schemeClr val="accent2"/>
+            </a:solidFill>
+            <a:prstDash val="dash"/>
+            <a:round/>
+            <a:headEnd type="none" w="med" len="med"/>
+            <a:tailEnd type="none" w="med" len="med"/>
+          </a:ln>
+        </p:spPr>
+        <p:style>
+          <a:lnRef idx="0">
+            <a:scrgbClr r="0" g="0" b="0"/>
+          </a:lnRef>
+          <a:fillRef idx="0">
+            <a:scrgbClr r="0" g="0" b="0"/>
+          </a:fillRef>
+          <a:effectRef idx="0">
+            <a:scrgbClr r="0" g="0" b="0"/>
+          </a:effectRef>
+          <a:fontRef idx="minor">
+            <a:schemeClr val="tx1"/>
+          </a:fontRef>
+        </p:style>
+      </p:cxnSp>
+      <p:cxnSp>
+        <p:nvCxnSpPr>
+          <p:cNvPr id="4" name="Straight Connector 3">
+            <a:extLst>
+              <a:ext uri="{FF2B5EF4-FFF2-40B4-BE49-F238E27FC236}">
+                <a16:creationId xmlns:a16="http://schemas.microsoft.com/office/drawing/2014/main" id="{A60E9402-CD9D-85B8-29AD-2844F45F0E17}"/>
+              </a:ext>
+            </a:extLst>
+          </p:cNvPr>
+          <p:cNvCxnSpPr>
+            <a:cxnSpLocks/>
+          </p:cNvCxnSpPr>
+          <p:nvPr/>
+        </p:nvCxnSpPr>
+        <p:spPr>
+          <a:xfrm>
+            <a:off x="2812026" y="4074506"/>
+            <a:ext cx="1042219" cy="1716694"/>
+          </a:xfrm>
+          <a:prstGeom prst="line">
+            <a:avLst/>
+          </a:prstGeom>
+          <a:ln w="28575" cap="flat" cmpd="sng" algn="ctr">
+            <a:solidFill>
+              <a:schemeClr val="accent2"/>
+            </a:solidFill>
+            <a:prstDash val="dash"/>
+            <a:round/>
+            <a:headEnd type="none" w="med" len="med"/>
+            <a:tailEnd type="none" w="med" len="med"/>
+          </a:ln>
+        </p:spPr>
+        <p:style>
+          <a:lnRef idx="0">
+            <a:scrgbClr r="0" g="0" b="0"/>
+          </a:lnRef>
+          <a:fillRef idx="0">
+            <a:scrgbClr r="0" g="0" b="0"/>
+          </a:fillRef>
+          <a:effectRef idx="0">
+            <a:scrgbClr r="0" g="0" b="0"/>
+          </a:effectRef>
+          <a:fontRef idx="minor">
+            <a:schemeClr val="tx1"/>
+          </a:fontRef>
+        </p:style>
+      </p:cxnSp>
+      <p:cxnSp>
+        <p:nvCxnSpPr>
+          <p:cNvPr id="9" name="Straight Connector 8">
+            <a:extLst>
+              <a:ext uri="{FF2B5EF4-FFF2-40B4-BE49-F238E27FC236}">
+                <a16:creationId xmlns:a16="http://schemas.microsoft.com/office/drawing/2014/main" id="{8D00812A-0F5B-1471-EC61-014E7FFED3F7}"/>
+              </a:ext>
+            </a:extLst>
+          </p:cNvPr>
+          <p:cNvCxnSpPr>
+            <a:cxnSpLocks/>
+          </p:cNvCxnSpPr>
+          <p:nvPr/>
+        </p:nvCxnSpPr>
+        <p:spPr>
+          <a:xfrm>
+            <a:off x="7393858" y="1558036"/>
+            <a:ext cx="1072001" cy="1716694"/>
+          </a:xfrm>
+          <a:prstGeom prst="line">
+            <a:avLst/>
+          </a:prstGeom>
+          <a:ln w="28575" cap="flat" cmpd="sng" algn="ctr">
+            <a:solidFill>
+              <a:schemeClr val="accent2"/>
+            </a:solidFill>
+            <a:prstDash val="dash"/>
+            <a:round/>
+            <a:headEnd type="none" w="med" len="med"/>
+            <a:tailEnd type="none" w="med" len="med"/>
+          </a:ln>
+        </p:spPr>
+        <p:style>
+          <a:lnRef idx="0">
+            <a:scrgbClr r="0" g="0" b="0"/>
+          </a:lnRef>
+          <a:fillRef idx="0">
+            <a:scrgbClr r="0" g="0" b="0"/>
+          </a:fillRef>
+          <a:effectRef idx="0">
+            <a:scrgbClr r="0" g="0" b="0"/>
+          </a:effectRef>
+          <a:fontRef idx="minor">
+            <a:schemeClr val="tx1"/>
+          </a:fontRef>
+        </p:style>
+      </p:cxnSp>
+      <p:sp>
+        <p:nvSpPr>
+          <p:cNvPr id="11" name="Oval 10">
+            <a:extLst>
+              <a:ext uri="{FF2B5EF4-FFF2-40B4-BE49-F238E27FC236}">
+                <a16:creationId xmlns:a16="http://schemas.microsoft.com/office/drawing/2014/main" id="{B2EAAD32-CA43-DB66-73DA-B213F81158B7}"/>
+              </a:ext>
+            </a:extLst>
+          </p:cNvPr>
+          <p:cNvSpPr/>
+          <p:nvPr/>
+        </p:nvSpPr>
+        <p:spPr>
+          <a:xfrm>
+            <a:off x="6420464" y="1959183"/>
+            <a:ext cx="771547" cy="914400"/>
+          </a:xfrm>
+          <a:prstGeom prst="ellipse">
+            <a:avLst/>
+          </a:prstGeom>
+          <a:ln w="28575" cap="flat" cmpd="sng" algn="ctr">
+            <a:solidFill>
+              <a:schemeClr val="accent2"/>
+            </a:solidFill>
+            <a:prstDash val="dash"/>
+            <a:round/>
+            <a:headEnd type="none" w="med" len="med"/>
+            <a:tailEnd type="none" w="med" len="med"/>
+          </a:ln>
+        </p:spPr>
+        <p:style>
+          <a:lnRef idx="0">
+            <a:scrgbClr r="0" g="0" b="0"/>
+          </a:lnRef>
+          <a:fillRef idx="0">
+            <a:scrgbClr r="0" g="0" b="0"/>
+          </a:fillRef>
+          <a:effectRef idx="0">
+            <a:scrgbClr r="0" g="0" b="0"/>
+          </a:effectRef>
+          <a:fontRef idx="minor">
+            <a:schemeClr val="tx1"/>
+          </a:fontRef>
+        </p:style>
+        <p:txBody>
+          <a:bodyPr rtlCol="0" anchor="ctr"/>
+          <a:lstStyle/>
+          <a:p>
+            <a:pPr algn="ctr"/>
+            <a:endParaRPr lang="en-SE"/>
+          </a:p>
+        </p:txBody>
+      </p:sp>
+      <p:sp>
+        <p:nvSpPr>
+          <p:cNvPr id="14" name="Arc 13">
+            <a:extLst>
+              <a:ext uri="{FF2B5EF4-FFF2-40B4-BE49-F238E27FC236}">
+                <a16:creationId xmlns:a16="http://schemas.microsoft.com/office/drawing/2014/main" id="{C13B6722-A2CA-BDF7-4551-BFECA02D8DE4}"/>
+              </a:ext>
+            </a:extLst>
+          </p:cNvPr>
+          <p:cNvSpPr/>
+          <p:nvPr/>
+        </p:nvSpPr>
+        <p:spPr>
+          <a:xfrm rot="10017728">
+            <a:off x="1457494" y="-1012220"/>
+            <a:ext cx="4419342" cy="4004152"/>
+          </a:xfrm>
+          <a:prstGeom prst="arc">
+            <a:avLst/>
+          </a:prstGeom>
+          <a:ln w="28575" cap="flat" cmpd="sng" algn="ctr">
+            <a:solidFill>
+              <a:schemeClr val="accent2"/>
+            </a:solidFill>
+            <a:prstDash val="dash"/>
+            <a:round/>
+            <a:headEnd type="none" w="med" len="med"/>
+            <a:tailEnd type="none" w="med" len="med"/>
+          </a:ln>
+        </p:spPr>
+        <p:style>
+          <a:lnRef idx="0">
+            <a:scrgbClr r="0" g="0" b="0"/>
+          </a:lnRef>
+          <a:fillRef idx="0">
+            <a:scrgbClr r="0" g="0" b="0"/>
+          </a:fillRef>
+          <a:effectRef idx="0">
+            <a:scrgbClr r="0" g="0" b="0"/>
+          </a:effectRef>
+          <a:fontRef idx="minor">
+            <a:schemeClr val="tx1"/>
+          </a:fontRef>
+        </p:style>
+        <p:txBody>
+          <a:bodyPr rtlCol="0" anchor="ctr"/>
+          <a:lstStyle/>
+          <a:p>
+            <a:pPr algn="ctr"/>
+            <a:endParaRPr lang="en-SE"/>
+          </a:p>
+        </p:txBody>
+      </p:sp>
+      <p:sp>
+        <p:nvSpPr>
+          <p:cNvPr id="15" name="TextBox 14">
+            <a:extLst>
+              <a:ext uri="{FF2B5EF4-FFF2-40B4-BE49-F238E27FC236}">
+                <a16:creationId xmlns:a16="http://schemas.microsoft.com/office/drawing/2014/main" id="{24CF4A9A-BAC1-84FD-D048-A087ED2502C1}"/>
+              </a:ext>
+            </a:extLst>
+          </p:cNvPr>
+          <p:cNvSpPr txBox="1"/>
+          <p:nvPr/>
+        </p:nvSpPr>
+        <p:spPr>
+          <a:xfrm>
+            <a:off x="1435510" y="6455035"/>
+            <a:ext cx="6610720" cy="338554"/>
+          </a:xfrm>
+          <a:prstGeom prst="rect">
+            <a:avLst/>
+          </a:prstGeom>
+        </p:spPr>
+        <p:style>
+          <a:lnRef idx="1">
+            <a:schemeClr val="dk1"/>
+          </a:lnRef>
+          <a:fillRef idx="2">
+            <a:schemeClr val="dk1"/>
+          </a:fillRef>
+          <a:effectRef idx="1">
+            <a:schemeClr val="dk1"/>
+          </a:effectRef>
+          <a:fontRef idx="minor">
+            <a:schemeClr val="dk1"/>
+          </a:fontRef>
+        </p:style>
+        <p:txBody>
+          <a:bodyPr wrap="none" rtlCol="0">
+            <a:spAutoFit/>
+          </a:bodyPr>
+          <a:lstStyle/>
+          <a:p>
+            <a:r>
+              <a:rPr lang="en-GB" sz="1600" dirty="0"/>
+              <a:t>Red dotted line denotes the cut between current MST and remaining vertices</a:t>
+            </a:r>
+            <a:endParaRPr lang="en-SE" sz="1600" dirty="0"/>
           </a:p>
         </p:txBody>
       </p:sp>
